--- a/final poster.pptx
+++ b/final poster.pptx
@@ -4,8 +4,11 @@
   <p:sldMasterIdLst>
     <p:sldMasterId id="2147483648" r:id="rId1"/>
   </p:sldMasterIdLst>
+  <p:notesMasterIdLst>
+    <p:notesMasterId r:id="rId3"/>
+  </p:notesMasterIdLst>
   <p:handoutMasterIdLst>
-    <p:handoutMasterId r:id="rId3"/>
+    <p:handoutMasterId r:id="rId4"/>
   </p:handoutMasterIdLst>
   <p:sldIdLst>
     <p:sldId id="258" r:id="rId2"/>
@@ -291,6 +294,439 @@
   </p:cSld>
   <p:clrMap bg1="lt1" tx1="dk1" bg2="lt2" tx2="dk2" accent1="accent1" accent2="accent2" accent3="accent3" accent4="accent4" accent5="accent5" accent6="accent6" hlink="hlink" folHlink="folHlink"/>
 </p:handoutMaster>
+</file>
+
+<file path=ppt/notesMasters/notesMaster1.xml><?xml version="1.0" encoding="utf-8"?>
+<p:notesMaster xmlns:a="http://schemas.openxmlformats.org/drawingml/2006/main" xmlns:r="http://schemas.openxmlformats.org/officeDocument/2006/relationships" xmlns:p="http://schemas.openxmlformats.org/presentationml/2006/main">
+  <p:cSld>
+    <p:bg>
+      <p:bgRef idx="1001">
+        <a:schemeClr val="bg1"/>
+      </p:bgRef>
+    </p:bg>
+    <p:spTree>
+      <p:nvGrpSpPr>
+        <p:cNvPr id="1" name=""/>
+        <p:cNvGrpSpPr/>
+        <p:nvPr/>
+      </p:nvGrpSpPr>
+      <p:grpSpPr>
+        <a:xfrm>
+          <a:off x="0" y="0"/>
+          <a:ext cx="0" cy="0"/>
+          <a:chOff x="0" y="0"/>
+          <a:chExt cx="0" cy="0"/>
+        </a:xfrm>
+      </p:grpSpPr>
+      <p:sp>
+        <p:nvSpPr>
+          <p:cNvPr id="2" name="Header Placeholder 1"/>
+          <p:cNvSpPr>
+            <a:spLocks noGrp="1"/>
+          </p:cNvSpPr>
+          <p:nvPr>
+            <p:ph type="hdr" sz="quarter"/>
+          </p:nvPr>
+        </p:nvSpPr>
+        <p:spPr>
+          <a:xfrm>
+            <a:off x="0" y="0"/>
+            <a:ext cx="2971800" cy="458788"/>
+          </a:xfrm>
+          <a:prstGeom prst="rect">
+            <a:avLst/>
+          </a:prstGeom>
+        </p:spPr>
+        <p:txBody>
+          <a:bodyPr vert="horz" lIns="91440" tIns="45720" rIns="91440" bIns="45720" rtlCol="0"/>
+          <a:lstStyle>
+            <a:lvl1pPr algn="l">
+              <a:defRPr sz="1200"/>
+            </a:lvl1pPr>
+          </a:lstStyle>
+          <a:p>
+            <a:endParaRPr lang="en-US"/>
+          </a:p>
+        </p:txBody>
+      </p:sp>
+      <p:sp>
+        <p:nvSpPr>
+          <p:cNvPr id="3" name="Date Placeholder 2"/>
+          <p:cNvSpPr>
+            <a:spLocks noGrp="1"/>
+          </p:cNvSpPr>
+          <p:nvPr>
+            <p:ph type="dt" idx="1"/>
+          </p:nvPr>
+        </p:nvSpPr>
+        <p:spPr>
+          <a:xfrm>
+            <a:off x="3884613" y="0"/>
+            <a:ext cx="2971800" cy="458788"/>
+          </a:xfrm>
+          <a:prstGeom prst="rect">
+            <a:avLst/>
+          </a:prstGeom>
+        </p:spPr>
+        <p:txBody>
+          <a:bodyPr vert="horz" lIns="91440" tIns="45720" rIns="91440" bIns="45720" rtlCol="0"/>
+          <a:lstStyle>
+            <a:lvl1pPr algn="r">
+              <a:defRPr sz="1200"/>
+            </a:lvl1pPr>
+          </a:lstStyle>
+          <a:p>
+            <a:fld id="{6BC0B376-445B-49D2-A528-34300D1FA5F0}" type="datetimeFigureOut">
+              <a:rPr lang="en-US" smtClean="0"/>
+              <a:t>11/28/2018</a:t>
+            </a:fld>
+            <a:endParaRPr lang="en-US"/>
+          </a:p>
+        </p:txBody>
+      </p:sp>
+      <p:sp>
+        <p:nvSpPr>
+          <p:cNvPr id="4" name="Slide Image Placeholder 3"/>
+          <p:cNvSpPr>
+            <a:spLocks noGrp="1" noRot="1" noChangeAspect="1"/>
+          </p:cNvSpPr>
+          <p:nvPr>
+            <p:ph type="sldImg" idx="2"/>
+          </p:nvPr>
+        </p:nvSpPr>
+        <p:spPr>
+          <a:xfrm>
+            <a:off x="1628775" y="1143000"/>
+            <a:ext cx="3600450" cy="3086100"/>
+          </a:xfrm>
+          <a:prstGeom prst="rect">
+            <a:avLst/>
+          </a:prstGeom>
+          <a:noFill/>
+          <a:ln w="12700">
+            <a:solidFill>
+              <a:prstClr val="black"/>
+            </a:solidFill>
+          </a:ln>
+        </p:spPr>
+        <p:txBody>
+          <a:bodyPr vert="horz" lIns="91440" tIns="45720" rIns="91440" bIns="45720" rtlCol="0" anchor="ctr"/>
+          <a:lstStyle/>
+          <a:p>
+            <a:endParaRPr lang="en-US"/>
+          </a:p>
+        </p:txBody>
+      </p:sp>
+      <p:sp>
+        <p:nvSpPr>
+          <p:cNvPr id="5" name="Notes Placeholder 4"/>
+          <p:cNvSpPr>
+            <a:spLocks noGrp="1"/>
+          </p:cNvSpPr>
+          <p:nvPr>
+            <p:ph type="body" sz="quarter" idx="3"/>
+          </p:nvPr>
+        </p:nvSpPr>
+        <p:spPr>
+          <a:xfrm>
+            <a:off x="685800" y="4400550"/>
+            <a:ext cx="5486400" cy="3600450"/>
+          </a:xfrm>
+          <a:prstGeom prst="rect">
+            <a:avLst/>
+          </a:prstGeom>
+        </p:spPr>
+        <p:txBody>
+          <a:bodyPr vert="horz" lIns="91440" tIns="45720" rIns="91440" bIns="45720" rtlCol="0"/>
+          <a:lstStyle/>
+          <a:p>
+            <a:pPr lvl="0"/>
+            <a:r>
+              <a:rPr lang="en-US"/>
+              <a:t>Edit Master text styles</a:t>
+            </a:r>
+          </a:p>
+          <a:p>
+            <a:pPr lvl="1"/>
+            <a:r>
+              <a:rPr lang="en-US"/>
+              <a:t>Second level</a:t>
+            </a:r>
+          </a:p>
+          <a:p>
+            <a:pPr lvl="2"/>
+            <a:r>
+              <a:rPr lang="en-US"/>
+              <a:t>Third level</a:t>
+            </a:r>
+          </a:p>
+          <a:p>
+            <a:pPr lvl="3"/>
+            <a:r>
+              <a:rPr lang="en-US"/>
+              <a:t>Fourth level</a:t>
+            </a:r>
+          </a:p>
+          <a:p>
+            <a:pPr lvl="4"/>
+            <a:r>
+              <a:rPr lang="en-US"/>
+              <a:t>Fifth level</a:t>
+            </a:r>
+          </a:p>
+        </p:txBody>
+      </p:sp>
+      <p:sp>
+        <p:nvSpPr>
+          <p:cNvPr id="6" name="Footer Placeholder 5"/>
+          <p:cNvSpPr>
+            <a:spLocks noGrp="1"/>
+          </p:cNvSpPr>
+          <p:nvPr>
+            <p:ph type="ftr" sz="quarter" idx="4"/>
+          </p:nvPr>
+        </p:nvSpPr>
+        <p:spPr>
+          <a:xfrm>
+            <a:off x="0" y="8685213"/>
+            <a:ext cx="2971800" cy="458787"/>
+          </a:xfrm>
+          <a:prstGeom prst="rect">
+            <a:avLst/>
+          </a:prstGeom>
+        </p:spPr>
+        <p:txBody>
+          <a:bodyPr vert="horz" lIns="91440" tIns="45720" rIns="91440" bIns="45720" rtlCol="0" anchor="b"/>
+          <a:lstStyle>
+            <a:lvl1pPr algn="l">
+              <a:defRPr sz="1200"/>
+            </a:lvl1pPr>
+          </a:lstStyle>
+          <a:p>
+            <a:endParaRPr lang="en-US"/>
+          </a:p>
+        </p:txBody>
+      </p:sp>
+      <p:sp>
+        <p:nvSpPr>
+          <p:cNvPr id="7" name="Slide Number Placeholder 6"/>
+          <p:cNvSpPr>
+            <a:spLocks noGrp="1"/>
+          </p:cNvSpPr>
+          <p:nvPr>
+            <p:ph type="sldNum" sz="quarter" idx="5"/>
+          </p:nvPr>
+        </p:nvSpPr>
+        <p:spPr>
+          <a:xfrm>
+            <a:off x="3884613" y="8685213"/>
+            <a:ext cx="2971800" cy="458787"/>
+          </a:xfrm>
+          <a:prstGeom prst="rect">
+            <a:avLst/>
+          </a:prstGeom>
+        </p:spPr>
+        <p:txBody>
+          <a:bodyPr vert="horz" lIns="91440" tIns="45720" rIns="91440" bIns="45720" rtlCol="0" anchor="b"/>
+          <a:lstStyle>
+            <a:lvl1pPr algn="r">
+              <a:defRPr sz="1200"/>
+            </a:lvl1pPr>
+          </a:lstStyle>
+          <a:p>
+            <a:fld id="{7056C1CF-CC2D-45AC-BC98-BB731299856A}" type="slidenum">
+              <a:rPr lang="en-US" smtClean="0"/>
+              <a:t>‹#›</a:t>
+            </a:fld>
+            <a:endParaRPr lang="en-US"/>
+          </a:p>
+        </p:txBody>
+      </p:sp>
+    </p:spTree>
+    <p:extLst>
+      <p:ext uri="{BB962C8B-B14F-4D97-AF65-F5344CB8AC3E}">
+        <p14:creationId xmlns:p14="http://schemas.microsoft.com/office/powerpoint/2010/main" val="2535540749"/>
+      </p:ext>
+    </p:extLst>
+  </p:cSld>
+  <p:clrMap bg1="lt1" tx1="dk1" bg2="lt2" tx2="dk2" accent1="accent1" accent2="accent2" accent3="accent3" accent4="accent4" accent5="accent5" accent6="accent6" hlink="hlink" folHlink="folHlink"/>
+  <p:notesStyle>
+    <a:lvl1pPr marL="0" algn="l" defTabSz="914400" rtl="0" eaLnBrk="1" latinLnBrk="0" hangingPunct="1">
+      <a:defRPr sz="1200" kern="1200">
+        <a:solidFill>
+          <a:schemeClr val="tx1"/>
+        </a:solidFill>
+        <a:latin typeface="+mn-lt"/>
+        <a:ea typeface="+mn-ea"/>
+        <a:cs typeface="+mn-cs"/>
+      </a:defRPr>
+    </a:lvl1pPr>
+    <a:lvl2pPr marL="457200" algn="l" defTabSz="914400" rtl="0" eaLnBrk="1" latinLnBrk="0" hangingPunct="1">
+      <a:defRPr sz="1200" kern="1200">
+        <a:solidFill>
+          <a:schemeClr val="tx1"/>
+        </a:solidFill>
+        <a:latin typeface="+mn-lt"/>
+        <a:ea typeface="+mn-ea"/>
+        <a:cs typeface="+mn-cs"/>
+      </a:defRPr>
+    </a:lvl2pPr>
+    <a:lvl3pPr marL="914400" algn="l" defTabSz="914400" rtl="0" eaLnBrk="1" latinLnBrk="0" hangingPunct="1">
+      <a:defRPr sz="1200" kern="1200">
+        <a:solidFill>
+          <a:schemeClr val="tx1"/>
+        </a:solidFill>
+        <a:latin typeface="+mn-lt"/>
+        <a:ea typeface="+mn-ea"/>
+        <a:cs typeface="+mn-cs"/>
+      </a:defRPr>
+    </a:lvl3pPr>
+    <a:lvl4pPr marL="1371600" algn="l" defTabSz="914400" rtl="0" eaLnBrk="1" latinLnBrk="0" hangingPunct="1">
+      <a:defRPr sz="1200" kern="1200">
+        <a:solidFill>
+          <a:schemeClr val="tx1"/>
+        </a:solidFill>
+        <a:latin typeface="+mn-lt"/>
+        <a:ea typeface="+mn-ea"/>
+        <a:cs typeface="+mn-cs"/>
+      </a:defRPr>
+    </a:lvl4pPr>
+    <a:lvl5pPr marL="1828800" algn="l" defTabSz="914400" rtl="0" eaLnBrk="1" latinLnBrk="0" hangingPunct="1">
+      <a:defRPr sz="1200" kern="1200">
+        <a:solidFill>
+          <a:schemeClr val="tx1"/>
+        </a:solidFill>
+        <a:latin typeface="+mn-lt"/>
+        <a:ea typeface="+mn-ea"/>
+        <a:cs typeface="+mn-cs"/>
+      </a:defRPr>
+    </a:lvl5pPr>
+    <a:lvl6pPr marL="2286000" algn="l" defTabSz="914400" rtl="0" eaLnBrk="1" latinLnBrk="0" hangingPunct="1">
+      <a:defRPr sz="1200" kern="1200">
+        <a:solidFill>
+          <a:schemeClr val="tx1"/>
+        </a:solidFill>
+        <a:latin typeface="+mn-lt"/>
+        <a:ea typeface="+mn-ea"/>
+        <a:cs typeface="+mn-cs"/>
+      </a:defRPr>
+    </a:lvl6pPr>
+    <a:lvl7pPr marL="2743200" algn="l" defTabSz="914400" rtl="0" eaLnBrk="1" latinLnBrk="0" hangingPunct="1">
+      <a:defRPr sz="1200" kern="1200">
+        <a:solidFill>
+          <a:schemeClr val="tx1"/>
+        </a:solidFill>
+        <a:latin typeface="+mn-lt"/>
+        <a:ea typeface="+mn-ea"/>
+        <a:cs typeface="+mn-cs"/>
+      </a:defRPr>
+    </a:lvl7pPr>
+    <a:lvl8pPr marL="3200400" algn="l" defTabSz="914400" rtl="0" eaLnBrk="1" latinLnBrk="0" hangingPunct="1">
+      <a:defRPr sz="1200" kern="1200">
+        <a:solidFill>
+          <a:schemeClr val="tx1"/>
+        </a:solidFill>
+        <a:latin typeface="+mn-lt"/>
+        <a:ea typeface="+mn-ea"/>
+        <a:cs typeface="+mn-cs"/>
+      </a:defRPr>
+    </a:lvl8pPr>
+    <a:lvl9pPr marL="3657600" algn="l" defTabSz="914400" rtl="0" eaLnBrk="1" latinLnBrk="0" hangingPunct="1">
+      <a:defRPr sz="1200" kern="1200">
+        <a:solidFill>
+          <a:schemeClr val="tx1"/>
+        </a:solidFill>
+        <a:latin typeface="+mn-lt"/>
+        <a:ea typeface="+mn-ea"/>
+        <a:cs typeface="+mn-cs"/>
+      </a:defRPr>
+    </a:lvl9pPr>
+  </p:notesStyle>
+</p:notesMaster>
+</file>
+
+<file path=ppt/notesSlides/notesSlide1.xml><?xml version="1.0" encoding="utf-8"?>
+<p:notes xmlns:a="http://schemas.openxmlformats.org/drawingml/2006/main" xmlns:r="http://schemas.openxmlformats.org/officeDocument/2006/relationships" xmlns:p="http://schemas.openxmlformats.org/presentationml/2006/main">
+  <p:cSld>
+    <p:spTree>
+      <p:nvGrpSpPr>
+        <p:cNvPr id="1" name=""/>
+        <p:cNvGrpSpPr/>
+        <p:nvPr/>
+      </p:nvGrpSpPr>
+      <p:grpSpPr>
+        <a:xfrm>
+          <a:off x="0" y="0"/>
+          <a:ext cx="0" cy="0"/>
+          <a:chOff x="0" y="0"/>
+          <a:chExt cx="0" cy="0"/>
+        </a:xfrm>
+      </p:grpSpPr>
+      <p:sp>
+        <p:nvSpPr>
+          <p:cNvPr id="2" name="Slide Image Placeholder 1"/>
+          <p:cNvSpPr>
+            <a:spLocks noGrp="1" noRot="1" noChangeAspect="1"/>
+          </p:cNvSpPr>
+          <p:nvPr>
+            <p:ph type="sldImg"/>
+          </p:nvPr>
+        </p:nvSpPr>
+        <p:spPr/>
+      </p:sp>
+      <p:sp>
+        <p:nvSpPr>
+          <p:cNvPr id="3" name="Notes Placeholder 2"/>
+          <p:cNvSpPr>
+            <a:spLocks noGrp="1"/>
+          </p:cNvSpPr>
+          <p:nvPr>
+            <p:ph type="body" idx="1"/>
+          </p:nvPr>
+        </p:nvSpPr>
+        <p:spPr/>
+        <p:txBody>
+          <a:bodyPr/>
+          <a:lstStyle/>
+          <a:p>
+            <a:endParaRPr lang="en-US" dirty="0"/>
+          </a:p>
+        </p:txBody>
+      </p:sp>
+      <p:sp>
+        <p:nvSpPr>
+          <p:cNvPr id="4" name="Slide Number Placeholder 3"/>
+          <p:cNvSpPr>
+            <a:spLocks noGrp="1"/>
+          </p:cNvSpPr>
+          <p:nvPr>
+            <p:ph type="sldNum" sz="quarter" idx="5"/>
+          </p:nvPr>
+        </p:nvSpPr>
+        <p:spPr/>
+        <p:txBody>
+          <a:bodyPr/>
+          <a:lstStyle/>
+          <a:p>
+            <a:fld id="{7056C1CF-CC2D-45AC-BC98-BB731299856A}" type="slidenum">
+              <a:rPr lang="en-US" smtClean="0"/>
+              <a:t>1</a:t>
+            </a:fld>
+            <a:endParaRPr lang="en-US"/>
+          </a:p>
+        </p:txBody>
+      </p:sp>
+    </p:spTree>
+    <p:extLst>
+      <p:ext uri="{BB962C8B-B14F-4D97-AF65-F5344CB8AC3E}">
+        <p14:creationId xmlns:p14="http://schemas.microsoft.com/office/powerpoint/2010/main" val="1675222294"/>
+      </p:ext>
+    </p:extLst>
+  </p:cSld>
+  <p:clrMapOvr>
+    <a:masterClrMapping/>
+  </p:clrMapOvr>
+</p:notes>
 </file>
 
 <file path=ppt/slideLayouts/slideLayout1.xml><?xml version="1.0" encoding="utf-8"?>
@@ -1588,8 +2024,8 @@
         </p:nvSpPr>
         <p:spPr>
           <a:xfrm>
-            <a:off x="304800" y="304800"/>
-            <a:ext cx="18592800" cy="1676400"/>
+            <a:off x="304800" y="304799"/>
+            <a:ext cx="18592800" cy="1923189"/>
           </a:xfrm>
           <a:solidFill>
             <a:srgbClr val="1A4BA9"/>
@@ -1622,6 +2058,10 @@
           </p:nvPr>
         </p:nvSpPr>
         <p:spPr>
+          <a:xfrm>
+            <a:off x="304800" y="2318457"/>
+            <a:ext cx="5943600" cy="533400"/>
+          </a:xfrm>
           <a:solidFill>
             <a:srgbClr val="1A4BA9"/>
           </a:solidFill>
@@ -1652,12 +2092,84 @@
             <p:ph type="body" sz="quarter" idx="11"/>
           </p:nvPr>
         </p:nvSpPr>
-        <p:spPr/>
+        <p:spPr>
+          <a:xfrm>
+            <a:off x="304800" y="2819400"/>
+            <a:ext cx="5943600" cy="7848600"/>
+          </a:xfrm>
+          <a:ln>
+            <a:solidFill>
+              <a:schemeClr val="tx1"/>
+            </a:solidFill>
+          </a:ln>
+        </p:spPr>
         <p:txBody>
           <a:bodyPr/>
           <a:lstStyle/>
           <a:p>
+            <a:r>
+              <a:rPr lang="en-US" dirty="0"/>
+              <a:t> </a:t>
+            </a:r>
+            <a:r>
+              <a:rPr lang="en-US" dirty="0" err="1"/>
+              <a:t>WildTrack</a:t>
+            </a:r>
+            <a:r>
+              <a:rPr lang="en-US" dirty="0"/>
+              <a:t> is a conservation group whose mission is to develop and implement non-invasive, community-friendly approaches to monitor endangered species, to understand how best to protect them and reduce human/wildlife conflict. Their non-invasive wildlife monitoring footprint identification technology (FIT) is used to identify behavior patterns among animals belonging to endangered species. An example of a footprint captured by a contributor to the project is found in Figure 1(a) below:</a:t>
+            </a:r>
+          </a:p>
+          <a:p>
             <a:endParaRPr lang="en-US" dirty="0"/>
+          </a:p>
+          <a:p>
+            <a:r>
+              <a:rPr lang="en-US" dirty="0"/>
+              <a:t> </a:t>
+            </a:r>
+          </a:p>
+          <a:p>
+            <a:endParaRPr lang="en-US" dirty="0"/>
+          </a:p>
+          <a:p>
+            <a:endParaRPr lang="en-US" dirty="0"/>
+          </a:p>
+          <a:p>
+            <a:endParaRPr lang="en-US" dirty="0"/>
+          </a:p>
+          <a:p>
+            <a:endParaRPr lang="en-US" dirty="0"/>
+          </a:p>
+          <a:p>
+            <a:endParaRPr lang="en-US" dirty="0"/>
+          </a:p>
+          <a:p>
+            <a:endParaRPr lang="en-US" dirty="0"/>
+          </a:p>
+          <a:p>
+            <a:endParaRPr lang="en-US" dirty="0"/>
+          </a:p>
+          <a:p>
+            <a:endParaRPr lang="en-US" dirty="0"/>
+          </a:p>
+          <a:p>
+            <a:endParaRPr lang="en-US" dirty="0"/>
+          </a:p>
+          <a:p>
+            <a:r>
+              <a:rPr lang="en-US" dirty="0"/>
+              <a:t>In order to identify animals solely based on their footprint signatures, landmarks at select locations within the print are manually placed and their x- and y-coordinates are measured, along with an array of other features. The landmarks are placed uniformly around areas of the print such that the relationship between each individual and his/her signature can be analyzed. </a:t>
+            </a:r>
+          </a:p>
+          <a:p>
+            <a:endParaRPr lang="en-US" dirty="0"/>
+          </a:p>
+          <a:p>
+            <a:r>
+              <a:rPr lang="en-US" dirty="0"/>
+              <a:t>However, landmark placement is a manual, time-consuming and possibly error-prone procedure. This study formulates a pipeline to reliably automate the process, or at least make it easier to complete.</a:t>
+            </a:r>
           </a:p>
         </p:txBody>
       </p:sp>
@@ -1672,6 +2184,10 @@
           </p:nvPr>
         </p:nvSpPr>
         <p:spPr>
+          <a:xfrm>
+            <a:off x="304800" y="11005257"/>
+            <a:ext cx="5943600" cy="533400"/>
+          </a:xfrm>
           <a:solidFill>
             <a:srgbClr val="1A4BA9"/>
           </a:solidFill>
@@ -1699,11 +2215,52 @@
             <p:ph type="body" sz="quarter" idx="13"/>
           </p:nvPr>
         </p:nvSpPr>
-        <p:spPr/>
+        <p:spPr>
+          <a:xfrm>
+            <a:off x="304800" y="11506200"/>
+            <a:ext cx="5943600" cy="1143000"/>
+          </a:xfrm>
+          <a:ln>
+            <a:solidFill>
+              <a:schemeClr val="tx1"/>
+            </a:solidFill>
+          </a:ln>
+        </p:spPr>
         <p:txBody>
           <a:bodyPr/>
           <a:lstStyle/>
           <a:p>
+            <a:pPr marL="285750" indent="-285750">
+              <a:buFont typeface="Arial" panose="020B0604020202020204" pitchFamily="34" charset="0"/>
+              <a:buChar char="•"/>
+            </a:pPr>
+            <a:r>
+              <a:rPr lang="en-US" dirty="0"/>
+              <a:t>Design a system that separates a paw print from noise in an image</a:t>
+            </a:r>
+          </a:p>
+          <a:p>
+            <a:pPr marL="285750" indent="-285750">
+              <a:buFont typeface="Arial" panose="020B0604020202020204" pitchFamily="34" charset="0"/>
+              <a:buChar char="•"/>
+            </a:pPr>
+            <a:r>
+              <a:rPr lang="en-US" dirty="0"/>
+              <a:t>Create a registration system that uniquely maps individuals to their footprints through template morphology </a:t>
+            </a:r>
+          </a:p>
+          <a:p>
+            <a:pPr marL="285750" indent="-285750">
+              <a:buFont typeface="Arial" panose="020B0604020202020204" pitchFamily="34" charset="0"/>
+              <a:buChar char="•"/>
+            </a:pPr>
+            <a:endParaRPr lang="en-US" dirty="0"/>
+          </a:p>
+          <a:p>
+            <a:pPr marL="285750" indent="-285750">
+              <a:buFont typeface="Arial" panose="020B0604020202020204" pitchFamily="34" charset="0"/>
+              <a:buChar char="•"/>
+            </a:pPr>
             <a:endParaRPr lang="en-US" dirty="0"/>
           </a:p>
         </p:txBody>
@@ -1719,6 +2276,10 @@
           </p:nvPr>
         </p:nvSpPr>
         <p:spPr>
+          <a:xfrm>
+            <a:off x="304800" y="12986457"/>
+            <a:ext cx="5943600" cy="533400"/>
+          </a:xfrm>
           <a:solidFill>
             <a:srgbClr val="1A4BA9"/>
           </a:solidFill>
@@ -1732,7 +2293,10 @@
           <a:bodyPr/>
           <a:lstStyle/>
           <a:p>
-            <a:endParaRPr lang="en-US" dirty="0"/>
+            <a:r>
+              <a:rPr lang="en-US" dirty="0"/>
+              <a:t>Methods</a:t>
+            </a:r>
           </a:p>
         </p:txBody>
       </p:sp>
@@ -1746,12 +2310,25 @@
             <p:ph type="body" sz="quarter" idx="15"/>
           </p:nvPr>
         </p:nvSpPr>
-        <p:spPr/>
+        <p:spPr>
+          <a:xfrm>
+            <a:off x="304800" y="13487400"/>
+            <a:ext cx="5943600" cy="2667000"/>
+          </a:xfrm>
+          <a:ln>
+            <a:solidFill>
+              <a:schemeClr val="tx1"/>
+            </a:solidFill>
+          </a:ln>
+        </p:spPr>
         <p:txBody>
           <a:bodyPr/>
           <a:lstStyle/>
           <a:p>
-            <a:endParaRPr lang="en-US" dirty="0"/>
+            <a:r>
+              <a:rPr lang="en-US" dirty="0"/>
+              <a:t> </a:t>
+            </a:r>
           </a:p>
         </p:txBody>
       </p:sp>
@@ -1766,6 +2343,10 @@
           </p:nvPr>
         </p:nvSpPr>
         <p:spPr>
+          <a:xfrm>
+            <a:off x="6629400" y="2318457"/>
+            <a:ext cx="5943600" cy="533400"/>
+          </a:xfrm>
           <a:solidFill>
             <a:srgbClr val="1A4BA9"/>
           </a:solidFill>
@@ -1779,7 +2360,10 @@
           <a:bodyPr/>
           <a:lstStyle/>
           <a:p>
-            <a:endParaRPr lang="en-US" dirty="0"/>
+            <a:r>
+              <a:rPr lang="en-US" dirty="0"/>
+              <a:t>Paw Print Isolation</a:t>
+            </a:r>
           </a:p>
         </p:txBody>
       </p:sp>
@@ -1793,12 +2377,66 @@
             <p:ph type="body" sz="quarter" idx="17"/>
           </p:nvPr>
         </p:nvSpPr>
-        <p:spPr/>
+        <p:spPr>
+          <a:xfrm>
+            <a:off x="12941653" y="12974988"/>
+            <a:ext cx="5943600" cy="1382985"/>
+          </a:xfrm>
+          <a:ln>
+            <a:solidFill>
+              <a:schemeClr val="tx1"/>
+            </a:solidFill>
+          </a:ln>
+        </p:spPr>
         <p:txBody>
           <a:bodyPr/>
           <a:lstStyle/>
           <a:p>
-            <a:endParaRPr lang="en-US"/>
+            <a:pPr marL="0" indent="0">
+              <a:buNone/>
+            </a:pPr>
+            <a:r>
+              <a:rPr lang="en-US" dirty="0"/>
+              <a:t>Jewell, Zoe, and Sky Alibhai. "Identifying endangered species from footprints." International Society for Optics and Photonics (SPIE) Newsroom 2013 (2013): 1-3.</a:t>
+            </a:r>
+          </a:p>
+          <a:p>
+            <a:pPr marL="0" indent="0">
+              <a:buNone/>
+            </a:pPr>
+            <a:r>
+              <a:rPr lang="en-US" dirty="0" err="1"/>
+              <a:t>Bradski</a:t>
+            </a:r>
+            <a:r>
+              <a:rPr lang="en-US" dirty="0"/>
+              <a:t>, Gary, and Adrian </a:t>
+            </a:r>
+            <a:r>
+              <a:rPr lang="en-US" dirty="0" err="1"/>
+              <a:t>Kaehler</a:t>
+            </a:r>
+            <a:r>
+              <a:rPr lang="en-US" dirty="0"/>
+              <a:t>. </a:t>
+            </a:r>
+            <a:r>
+              <a:rPr lang="en-US" i="1" dirty="0"/>
+              <a:t>Learning OpenCV: Computer vision with the OpenCV library</a:t>
+            </a:r>
+            <a:r>
+              <a:rPr lang="en-US" dirty="0"/>
+              <a:t>. " O'Reilly Media, Inc.", 2008.</a:t>
+            </a:r>
+          </a:p>
+          <a:p>
+            <a:pPr marL="0" indent="0">
+              <a:buNone/>
+            </a:pPr>
+            <a:endParaRPr lang="en-US" dirty="0"/>
+          </a:p>
+          <a:p>
+            <a:endParaRPr lang="en-US" dirty="0"/>
           </a:p>
         </p:txBody>
       </p:sp>
@@ -1813,6 +2451,10 @@
           </p:nvPr>
         </p:nvSpPr>
         <p:spPr>
+          <a:xfrm>
+            <a:off x="12954000" y="2318457"/>
+            <a:ext cx="5943600" cy="533400"/>
+          </a:xfrm>
           <a:solidFill>
             <a:srgbClr val="1A4BA9"/>
           </a:solidFill>
@@ -1826,7 +2468,10 @@
           <a:bodyPr/>
           <a:lstStyle/>
           <a:p>
-            <a:endParaRPr lang="en-US" dirty="0"/>
+            <a:r>
+              <a:rPr lang="en-US" dirty="0"/>
+              <a:t>Template Matching</a:t>
+            </a:r>
           </a:p>
         </p:txBody>
       </p:sp>
@@ -1840,11 +2485,135 @@
             <p:ph type="body" sz="quarter" idx="19"/>
           </p:nvPr>
         </p:nvSpPr>
-        <p:spPr/>
+        <p:spPr>
+          <a:xfrm>
+            <a:off x="12954000" y="2819399"/>
+            <a:ext cx="5943600" cy="6814258"/>
+          </a:xfrm>
+          <a:ln>
+            <a:solidFill>
+              <a:schemeClr val="tx1"/>
+            </a:solidFill>
+          </a:ln>
+        </p:spPr>
         <p:txBody>
           <a:bodyPr/>
           <a:lstStyle/>
           <a:p>
+            <a:pPr marL="0" indent="0">
+              <a:buNone/>
+            </a:pPr>
+            <a:r>
+              <a:rPr lang="en-US" dirty="0"/>
+              <a:t>The idea behind template matching is to systematically morph a template image until it ‘fits’ optimally with an individual footprint. At this point, we know the ideal transformation of the template; if we place landmarks on the template image, we can find the unique landmarks for each individual footprint by mapping the template landmarks according to the transformation.</a:t>
+            </a:r>
+          </a:p>
+          <a:p>
+            <a:pPr marL="0" indent="0">
+              <a:buNone/>
+            </a:pPr>
+            <a:endParaRPr lang="en-US" dirty="0"/>
+          </a:p>
+          <a:p>
+            <a:pPr marL="0" indent="0">
+              <a:buNone/>
+            </a:pPr>
+            <a:r>
+              <a:rPr lang="en-US" dirty="0"/>
+              <a:t>Currently, I have devised a system that uses a template to simply detect whether there exists a footprint within an image, and places a bounding box around it. I used the OpenCV library, which correlates a template image, like one of the masks generated in CNN training, with an arbitrary footprint:</a:t>
+            </a:r>
+          </a:p>
+          <a:p>
+            <a:pPr marL="0" indent="0">
+              <a:buNone/>
+            </a:pPr>
+            <a:endParaRPr lang="en-US" dirty="0"/>
+          </a:p>
+          <a:p>
+            <a:pPr marL="0" indent="0">
+              <a:buNone/>
+            </a:pPr>
+            <a:endParaRPr lang="en-US" dirty="0"/>
+          </a:p>
+          <a:p>
+            <a:pPr marL="0" indent="0">
+              <a:buNone/>
+            </a:pPr>
+            <a:endParaRPr lang="en-US" dirty="0"/>
+          </a:p>
+          <a:p>
+            <a:pPr marL="0" indent="0">
+              <a:buNone/>
+            </a:pPr>
+            <a:endParaRPr lang="en-US" dirty="0"/>
+          </a:p>
+          <a:p>
+            <a:pPr marL="0" indent="0">
+              <a:buNone/>
+            </a:pPr>
+            <a:endParaRPr lang="en-US" dirty="0"/>
+          </a:p>
+          <a:p>
+            <a:pPr marL="0" indent="0">
+              <a:buNone/>
+            </a:pPr>
+            <a:endParaRPr lang="en-US" dirty="0"/>
+          </a:p>
+          <a:p>
+            <a:pPr marL="0" indent="0">
+              <a:buNone/>
+            </a:pPr>
+            <a:endParaRPr lang="en-US" dirty="0"/>
+          </a:p>
+          <a:p>
+            <a:pPr marL="0" indent="0">
+              <a:buNone/>
+            </a:pPr>
+            <a:endParaRPr lang="en-US" dirty="0"/>
+          </a:p>
+          <a:p>
+            <a:pPr marL="0" indent="0">
+              <a:buNone/>
+            </a:pPr>
+            <a:endParaRPr lang="en-US" dirty="0"/>
+          </a:p>
+          <a:p>
+            <a:pPr marL="0" indent="0">
+              <a:buNone/>
+            </a:pPr>
+            <a:endParaRPr lang="en-US" dirty="0"/>
+          </a:p>
+          <a:p>
+            <a:pPr marL="0" indent="0">
+              <a:buNone/>
+            </a:pPr>
+            <a:endParaRPr lang="en-US" sz="600" dirty="0"/>
+          </a:p>
+          <a:p>
+            <a:pPr marL="0" indent="0">
+              <a:buNone/>
+            </a:pPr>
+            <a:endParaRPr lang="en-US" sz="300" dirty="0"/>
+          </a:p>
+          <a:p>
+            <a:pPr marL="0" indent="0">
+              <a:buNone/>
+            </a:pPr>
+            <a:r>
+              <a:rPr lang="en-US" dirty="0"/>
+              <a:t>In the future, I would like to extend this analysis to perform landmark tracking after footprint detection.</a:t>
+            </a:r>
+          </a:p>
+          <a:p>
+            <a:pPr marL="0" indent="0">
+              <a:buNone/>
+            </a:pPr>
+            <a:endParaRPr lang="en-US" dirty="0"/>
+          </a:p>
+          <a:p>
+            <a:pPr marL="0" indent="0">
+              <a:buNone/>
+            </a:pPr>
             <a:endParaRPr lang="en-US" dirty="0"/>
           </a:p>
         </p:txBody>
@@ -1860,6 +2629,10 @@
           </p:nvPr>
         </p:nvSpPr>
         <p:spPr>
+          <a:xfrm>
+            <a:off x="12938006" y="12441588"/>
+            <a:ext cx="5943600" cy="533400"/>
+          </a:xfrm>
           <a:solidFill>
             <a:srgbClr val="1A4BA9"/>
           </a:solidFill>
@@ -1873,7 +2646,10 @@
           <a:bodyPr/>
           <a:lstStyle/>
           <a:p>
-            <a:endParaRPr lang="en-US"/>
+            <a:r>
+              <a:rPr lang="en-US" dirty="0"/>
+              <a:t>References</a:t>
+            </a:r>
           </a:p>
         </p:txBody>
       </p:sp>
@@ -1887,12 +2663,24 @@
             <p:ph type="body" sz="quarter" idx="21"/>
           </p:nvPr>
         </p:nvSpPr>
-        <p:spPr/>
+        <p:spPr>
+          <a:ln>
+            <a:solidFill>
+              <a:schemeClr val="tx1"/>
+            </a:solidFill>
+          </a:ln>
+          <a:effectLst>
+            <a:softEdge rad="0"/>
+          </a:effectLst>
+        </p:spPr>
         <p:txBody>
           <a:bodyPr/>
           <a:lstStyle/>
           <a:p>
-            <a:endParaRPr lang="en-US" dirty="0"/>
+            <a:r>
+              <a:rPr lang="en-US" dirty="0"/>
+              <a:t> </a:t>
+            </a:r>
           </a:p>
         </p:txBody>
       </p:sp>
@@ -1967,7 +2755,7 @@
         <p:spPr>
           <a:xfrm>
             <a:off x="3429000" y="1212325"/>
-            <a:ext cx="12192000" cy="707886"/>
+            <a:ext cx="12192000" cy="1015663"/>
           </a:xfrm>
           <a:prstGeom prst="rect">
             <a:avLst/>
@@ -2005,6 +2793,42 @@
                 <a:cs typeface="Arial"/>
               </a:rPr>
               <a:t>Advisor: Dr. Stacy Tantum</a:t>
+            </a:r>
+          </a:p>
+          <a:p>
+            <a:pPr algn="ctr"/>
+            <a:r>
+              <a:rPr lang="en-US" sz="2000" b="1" dirty="0">
+                <a:solidFill>
+                  <a:prstClr val="white"/>
+                </a:solidFill>
+                <a:latin typeface="Arial"/>
+                <a:ea typeface="+mj-ea"/>
+                <a:cs typeface="Arial"/>
+              </a:rPr>
+              <a:t>Data provided by Sky Alibhai and Zoe Jewell (</a:t>
+            </a:r>
+            <a:r>
+              <a:rPr lang="en-US" sz="2000" b="1" dirty="0" err="1">
+                <a:solidFill>
+                  <a:prstClr val="white"/>
+                </a:solidFill>
+                <a:latin typeface="Arial"/>
+                <a:ea typeface="+mj-ea"/>
+                <a:cs typeface="Arial"/>
+              </a:rPr>
+              <a:t>WildTrack</a:t>
+            </a:r>
+            <a:r>
+              <a:rPr lang="en-US" sz="2000" b="1" dirty="0">
+                <a:solidFill>
+                  <a:prstClr val="white"/>
+                </a:solidFill>
+                <a:latin typeface="Arial"/>
+                <a:ea typeface="+mj-ea"/>
+                <a:cs typeface="Arial"/>
+              </a:rPr>
+              <a:t>)</a:t>
             </a:r>
             <a:endParaRPr lang="en-US" sz="4800" dirty="0"/>
           </a:p>
@@ -2026,7 +2850,2820 @@
             <p:ph type="chart" sz="quarter" idx="24"/>
           </p:nvPr>
         </p:nvSpPr>
-        <p:spPr/>
+        <p:spPr>
+          <a:xfrm>
+            <a:off x="7086600" y="8262057"/>
+            <a:ext cx="5029200" cy="3352800"/>
+          </a:xfrm>
+        </p:spPr>
+      </p:sp>
+      <p:sp>
+        <p:nvSpPr>
+          <p:cNvPr id="33" name="Text Placeholder 29">
+            <a:extLst>
+              <a:ext uri="{FF2B5EF4-FFF2-40B4-BE49-F238E27FC236}">
+                <a16:creationId xmlns:a16="http://schemas.microsoft.com/office/drawing/2014/main" id="{7952AC79-1F1F-4BF7-A489-EC89AE931C7D}"/>
+              </a:ext>
+            </a:extLst>
+          </p:cNvPr>
+          <p:cNvSpPr txBox="1">
+            <a:spLocks/>
+          </p:cNvSpPr>
+          <p:nvPr/>
+        </p:nvSpPr>
+        <p:spPr>
+          <a:xfrm>
+            <a:off x="12954000" y="14554198"/>
+            <a:ext cx="5943600" cy="533400"/>
+          </a:xfrm>
+          <a:prstGeom prst="rect">
+            <a:avLst/>
+          </a:prstGeom>
+          <a:solidFill>
+            <a:srgbClr val="1A4BA9"/>
+          </a:solidFill>
+          <a:ln>
+            <a:solidFill>
+              <a:srgbClr val="09306B"/>
+            </a:solidFill>
+          </a:ln>
+        </p:spPr>
+        <p:txBody>
+          <a:bodyPr vert="horz"/>
+          <a:lstStyle>
+            <a:lvl1pPr marL="0" indent="0" algn="l" defTabSz="2037740" rtl="0" eaLnBrk="1" latinLnBrk="0" hangingPunct="1">
+              <a:spcBef>
+                <a:spcPct val="20000"/>
+              </a:spcBef>
+              <a:buFont typeface="Arial" pitchFamily="34" charset="0"/>
+              <a:buNone/>
+              <a:defRPr sz="2400" b="1" kern="1200" baseline="0">
+                <a:solidFill>
+                  <a:schemeClr val="bg1"/>
+                </a:solidFill>
+                <a:latin typeface="Arial"/>
+                <a:ea typeface="+mn-ea"/>
+                <a:cs typeface="Arial"/>
+              </a:defRPr>
+            </a:lvl1pPr>
+            <a:lvl2pPr marL="1655664" indent="-636794" algn="l" defTabSz="2037740" rtl="0" eaLnBrk="1" latinLnBrk="0" hangingPunct="1">
+              <a:spcBef>
+                <a:spcPct val="20000"/>
+              </a:spcBef>
+              <a:buFont typeface="Arial" pitchFamily="34" charset="0"/>
+              <a:buChar char="–"/>
+              <a:defRPr sz="6200" kern="1200">
+                <a:solidFill>
+                  <a:schemeClr val="tx1"/>
+                </a:solidFill>
+                <a:latin typeface="+mn-lt"/>
+                <a:ea typeface="+mn-ea"/>
+                <a:cs typeface="+mn-cs"/>
+              </a:defRPr>
+            </a:lvl2pPr>
+            <a:lvl3pPr marL="2547176" indent="-509435" algn="l" defTabSz="2037740" rtl="0" eaLnBrk="1" latinLnBrk="0" hangingPunct="1">
+              <a:spcBef>
+                <a:spcPct val="20000"/>
+              </a:spcBef>
+              <a:buFont typeface="Arial" pitchFamily="34" charset="0"/>
+              <a:buChar char="•"/>
+              <a:defRPr sz="5300" kern="1200">
+                <a:solidFill>
+                  <a:schemeClr val="tx1"/>
+                </a:solidFill>
+                <a:latin typeface="+mn-lt"/>
+                <a:ea typeface="+mn-ea"/>
+                <a:cs typeface="+mn-cs"/>
+              </a:defRPr>
+            </a:lvl3pPr>
+            <a:lvl4pPr marL="3566046" indent="-509435" algn="l" defTabSz="2037740" rtl="0" eaLnBrk="1" latinLnBrk="0" hangingPunct="1">
+              <a:spcBef>
+                <a:spcPct val="20000"/>
+              </a:spcBef>
+              <a:buFont typeface="Arial" pitchFamily="34" charset="0"/>
+              <a:buChar char="–"/>
+              <a:defRPr sz="4500" kern="1200">
+                <a:solidFill>
+                  <a:schemeClr val="tx1"/>
+                </a:solidFill>
+                <a:latin typeface="+mn-lt"/>
+                <a:ea typeface="+mn-ea"/>
+                <a:cs typeface="+mn-cs"/>
+              </a:defRPr>
+            </a:lvl4pPr>
+            <a:lvl5pPr marL="4584916" indent="-509435" algn="l" defTabSz="2037740" rtl="0" eaLnBrk="1" latinLnBrk="0" hangingPunct="1">
+              <a:spcBef>
+                <a:spcPct val="20000"/>
+              </a:spcBef>
+              <a:buFont typeface="Arial" pitchFamily="34" charset="0"/>
+              <a:buChar char="»"/>
+              <a:defRPr sz="4500" kern="1200">
+                <a:solidFill>
+                  <a:schemeClr val="tx1"/>
+                </a:solidFill>
+                <a:latin typeface="+mn-lt"/>
+                <a:ea typeface="+mn-ea"/>
+                <a:cs typeface="+mn-cs"/>
+              </a:defRPr>
+            </a:lvl5pPr>
+            <a:lvl6pPr marL="5603786" indent="-509435" algn="l" defTabSz="2037740" rtl="0" eaLnBrk="1" latinLnBrk="0" hangingPunct="1">
+              <a:spcBef>
+                <a:spcPct val="20000"/>
+              </a:spcBef>
+              <a:buFont typeface="Arial" pitchFamily="34" charset="0"/>
+              <a:buChar char="•"/>
+              <a:defRPr sz="4500" kern="1200">
+                <a:solidFill>
+                  <a:schemeClr val="tx1"/>
+                </a:solidFill>
+                <a:latin typeface="+mn-lt"/>
+                <a:ea typeface="+mn-ea"/>
+                <a:cs typeface="+mn-cs"/>
+              </a:defRPr>
+            </a:lvl6pPr>
+            <a:lvl7pPr marL="6622656" indent="-509435" algn="l" defTabSz="2037740" rtl="0" eaLnBrk="1" latinLnBrk="0" hangingPunct="1">
+              <a:spcBef>
+                <a:spcPct val="20000"/>
+              </a:spcBef>
+              <a:buFont typeface="Arial" pitchFamily="34" charset="0"/>
+              <a:buChar char="•"/>
+              <a:defRPr sz="4500" kern="1200">
+                <a:solidFill>
+                  <a:schemeClr val="tx1"/>
+                </a:solidFill>
+                <a:latin typeface="+mn-lt"/>
+                <a:ea typeface="+mn-ea"/>
+                <a:cs typeface="+mn-cs"/>
+              </a:defRPr>
+            </a:lvl7pPr>
+            <a:lvl8pPr marL="7641527" indent="-509435" algn="l" defTabSz="2037740" rtl="0" eaLnBrk="1" latinLnBrk="0" hangingPunct="1">
+              <a:spcBef>
+                <a:spcPct val="20000"/>
+              </a:spcBef>
+              <a:buFont typeface="Arial" pitchFamily="34" charset="0"/>
+              <a:buChar char="•"/>
+              <a:defRPr sz="4500" kern="1200">
+                <a:solidFill>
+                  <a:schemeClr val="tx1"/>
+                </a:solidFill>
+                <a:latin typeface="+mn-lt"/>
+                <a:ea typeface="+mn-ea"/>
+                <a:cs typeface="+mn-cs"/>
+              </a:defRPr>
+            </a:lvl8pPr>
+            <a:lvl9pPr marL="8660397" indent="-509435" algn="l" defTabSz="2037740" rtl="0" eaLnBrk="1" latinLnBrk="0" hangingPunct="1">
+              <a:spcBef>
+                <a:spcPct val="20000"/>
+              </a:spcBef>
+              <a:buFont typeface="Arial" pitchFamily="34" charset="0"/>
+              <a:buChar char="•"/>
+              <a:defRPr sz="4500" kern="1200">
+                <a:solidFill>
+                  <a:schemeClr val="tx1"/>
+                </a:solidFill>
+                <a:latin typeface="+mn-lt"/>
+                <a:ea typeface="+mn-ea"/>
+                <a:cs typeface="+mn-cs"/>
+              </a:defRPr>
+            </a:lvl9pPr>
+          </a:lstStyle>
+          <a:p>
+            <a:r>
+              <a:rPr lang="en-US" dirty="0"/>
+              <a:t>Acknowledgments</a:t>
+            </a:r>
+          </a:p>
+        </p:txBody>
+      </p:sp>
+      <p:sp>
+        <p:nvSpPr>
+          <p:cNvPr id="34" name="Text Placeholder 26">
+            <a:extLst>
+              <a:ext uri="{FF2B5EF4-FFF2-40B4-BE49-F238E27FC236}">
+                <a16:creationId xmlns:a16="http://schemas.microsoft.com/office/drawing/2014/main" id="{6C6ED39D-37B5-4C1B-858C-3F5C0DAC06EF}"/>
+              </a:ext>
+            </a:extLst>
+          </p:cNvPr>
+          <p:cNvSpPr txBox="1">
+            <a:spLocks/>
+          </p:cNvSpPr>
+          <p:nvPr/>
+        </p:nvSpPr>
+        <p:spPr>
+          <a:xfrm>
+            <a:off x="12951178" y="15043772"/>
+            <a:ext cx="5943600" cy="1110626"/>
+          </a:xfrm>
+          <a:prstGeom prst="rect">
+            <a:avLst/>
+          </a:prstGeom>
+          <a:ln>
+            <a:solidFill>
+              <a:schemeClr val="tx1"/>
+            </a:solidFill>
+          </a:ln>
+        </p:spPr>
+        <p:txBody>
+          <a:bodyPr vert="horz"/>
+          <a:lstStyle>
+            <a:lvl1pPr marL="764153" indent="-764153" algn="l" defTabSz="2037740" rtl="0" eaLnBrk="1" latinLnBrk="0" hangingPunct="1">
+              <a:spcBef>
+                <a:spcPct val="20000"/>
+              </a:spcBef>
+              <a:buFont typeface="Arial" pitchFamily="34" charset="0"/>
+              <a:buChar char="•"/>
+              <a:defRPr sz="1600" kern="1200">
+                <a:solidFill>
+                  <a:schemeClr val="tx1"/>
+                </a:solidFill>
+                <a:latin typeface="+mn-lt"/>
+                <a:ea typeface="+mn-ea"/>
+                <a:cs typeface="+mn-cs"/>
+              </a:defRPr>
+            </a:lvl1pPr>
+            <a:lvl2pPr marL="1655664" indent="-636794" algn="l" defTabSz="2037740" rtl="0" eaLnBrk="1" latinLnBrk="0" hangingPunct="1">
+              <a:spcBef>
+                <a:spcPct val="20000"/>
+              </a:spcBef>
+              <a:buFont typeface="Arial" pitchFamily="34" charset="0"/>
+              <a:buChar char="–"/>
+              <a:defRPr sz="1600" kern="1200">
+                <a:solidFill>
+                  <a:schemeClr val="tx1"/>
+                </a:solidFill>
+                <a:latin typeface="+mn-lt"/>
+                <a:ea typeface="+mn-ea"/>
+                <a:cs typeface="+mn-cs"/>
+              </a:defRPr>
+            </a:lvl2pPr>
+            <a:lvl3pPr marL="2547176" indent="-509435" algn="l" defTabSz="2037740" rtl="0" eaLnBrk="1" latinLnBrk="0" hangingPunct="1">
+              <a:spcBef>
+                <a:spcPct val="20000"/>
+              </a:spcBef>
+              <a:buFont typeface="Arial" pitchFamily="34" charset="0"/>
+              <a:buChar char="•"/>
+              <a:defRPr sz="1600" kern="1200">
+                <a:solidFill>
+                  <a:schemeClr val="tx1"/>
+                </a:solidFill>
+                <a:latin typeface="+mn-lt"/>
+                <a:ea typeface="+mn-ea"/>
+                <a:cs typeface="+mn-cs"/>
+              </a:defRPr>
+            </a:lvl3pPr>
+            <a:lvl4pPr marL="3566046" indent="-509435" algn="l" defTabSz="2037740" rtl="0" eaLnBrk="1" latinLnBrk="0" hangingPunct="1">
+              <a:spcBef>
+                <a:spcPct val="20000"/>
+              </a:spcBef>
+              <a:buFont typeface="Arial" pitchFamily="34" charset="0"/>
+              <a:buChar char="–"/>
+              <a:defRPr sz="1600" kern="1200">
+                <a:solidFill>
+                  <a:schemeClr val="tx1"/>
+                </a:solidFill>
+                <a:latin typeface="+mn-lt"/>
+                <a:ea typeface="+mn-ea"/>
+                <a:cs typeface="+mn-cs"/>
+              </a:defRPr>
+            </a:lvl4pPr>
+            <a:lvl5pPr marL="4584916" indent="-509435" algn="l" defTabSz="2037740" rtl="0" eaLnBrk="1" latinLnBrk="0" hangingPunct="1">
+              <a:spcBef>
+                <a:spcPct val="20000"/>
+              </a:spcBef>
+              <a:buFont typeface="Arial" pitchFamily="34" charset="0"/>
+              <a:buChar char="»"/>
+              <a:defRPr sz="1600" kern="1200">
+                <a:solidFill>
+                  <a:schemeClr val="tx1"/>
+                </a:solidFill>
+                <a:latin typeface="+mn-lt"/>
+                <a:ea typeface="+mn-ea"/>
+                <a:cs typeface="+mn-cs"/>
+              </a:defRPr>
+            </a:lvl5pPr>
+            <a:lvl6pPr marL="5603786" indent="-509435" algn="l" defTabSz="2037740" rtl="0" eaLnBrk="1" latinLnBrk="0" hangingPunct="1">
+              <a:spcBef>
+                <a:spcPct val="20000"/>
+              </a:spcBef>
+              <a:buFont typeface="Arial" pitchFamily="34" charset="0"/>
+              <a:buChar char="•"/>
+              <a:defRPr sz="4500" kern="1200">
+                <a:solidFill>
+                  <a:schemeClr val="tx1"/>
+                </a:solidFill>
+                <a:latin typeface="+mn-lt"/>
+                <a:ea typeface="+mn-ea"/>
+                <a:cs typeface="+mn-cs"/>
+              </a:defRPr>
+            </a:lvl6pPr>
+            <a:lvl7pPr marL="6622656" indent="-509435" algn="l" defTabSz="2037740" rtl="0" eaLnBrk="1" latinLnBrk="0" hangingPunct="1">
+              <a:spcBef>
+                <a:spcPct val="20000"/>
+              </a:spcBef>
+              <a:buFont typeface="Arial" pitchFamily="34" charset="0"/>
+              <a:buChar char="•"/>
+              <a:defRPr sz="4500" kern="1200">
+                <a:solidFill>
+                  <a:schemeClr val="tx1"/>
+                </a:solidFill>
+                <a:latin typeface="+mn-lt"/>
+                <a:ea typeface="+mn-ea"/>
+                <a:cs typeface="+mn-cs"/>
+              </a:defRPr>
+            </a:lvl7pPr>
+            <a:lvl8pPr marL="7641527" indent="-509435" algn="l" defTabSz="2037740" rtl="0" eaLnBrk="1" latinLnBrk="0" hangingPunct="1">
+              <a:spcBef>
+                <a:spcPct val="20000"/>
+              </a:spcBef>
+              <a:buFont typeface="Arial" pitchFamily="34" charset="0"/>
+              <a:buChar char="•"/>
+              <a:defRPr sz="4500" kern="1200">
+                <a:solidFill>
+                  <a:schemeClr val="tx1"/>
+                </a:solidFill>
+                <a:latin typeface="+mn-lt"/>
+                <a:ea typeface="+mn-ea"/>
+                <a:cs typeface="+mn-cs"/>
+              </a:defRPr>
+            </a:lvl8pPr>
+            <a:lvl9pPr marL="8660397" indent="-509435" algn="l" defTabSz="2037740" rtl="0" eaLnBrk="1" latinLnBrk="0" hangingPunct="1">
+              <a:spcBef>
+                <a:spcPct val="20000"/>
+              </a:spcBef>
+              <a:buFont typeface="Arial" pitchFamily="34" charset="0"/>
+              <a:buChar char="•"/>
+              <a:defRPr sz="4500" kern="1200">
+                <a:solidFill>
+                  <a:schemeClr val="tx1"/>
+                </a:solidFill>
+                <a:latin typeface="+mn-lt"/>
+                <a:ea typeface="+mn-ea"/>
+                <a:cs typeface="+mn-cs"/>
+              </a:defRPr>
+            </a:lvl9pPr>
+          </a:lstStyle>
+          <a:p>
+            <a:pPr marL="0" indent="0">
+              <a:buNone/>
+            </a:pPr>
+            <a:r>
+              <a:rPr lang="en-US" dirty="0"/>
+              <a:t>I would like to thank Dr. Alibhai and Dr. Jewell for introducing us to this project and the dataset. I would also like to thank my advisor, Dr. Stacy Tantum, and my peers, Dima Fayyad, Lucas Liu, and Caroline Potts, for their guidance and support.</a:t>
+            </a:r>
+          </a:p>
+        </p:txBody>
+      </p:sp>
+      <p:grpSp>
+        <p:nvGrpSpPr>
+          <p:cNvPr id="7" name="Group 6">
+            <a:extLst>
+              <a:ext uri="{FF2B5EF4-FFF2-40B4-BE49-F238E27FC236}">
+                <a16:creationId xmlns:a16="http://schemas.microsoft.com/office/drawing/2014/main" id="{BA8F4A81-295C-4D4A-B166-94778147160E}"/>
+              </a:ext>
+            </a:extLst>
+          </p:cNvPr>
+          <p:cNvGrpSpPr/>
+          <p:nvPr/>
+        </p:nvGrpSpPr>
+        <p:grpSpPr>
+          <a:xfrm>
+            <a:off x="6743700" y="2905886"/>
+            <a:ext cx="5715000" cy="3655772"/>
+            <a:chOff x="6629400" y="2768058"/>
+            <a:chExt cx="5943600" cy="3608368"/>
+          </a:xfrm>
+        </p:grpSpPr>
+        <p:sp>
+          <p:nvSpPr>
+            <p:cNvPr id="6" name="Rectangle: Rounded Corners 5">
+              <a:extLst>
+                <a:ext uri="{FF2B5EF4-FFF2-40B4-BE49-F238E27FC236}">
+                  <a16:creationId xmlns:a16="http://schemas.microsoft.com/office/drawing/2014/main" id="{E1C98BDF-3155-41A0-95D1-9F1629FA1492}"/>
+                </a:ext>
+              </a:extLst>
+            </p:cNvPr>
+            <p:cNvSpPr/>
+            <p:nvPr/>
+          </p:nvSpPr>
+          <p:spPr>
+            <a:xfrm>
+              <a:off x="6629400" y="2780784"/>
+              <a:ext cx="5943600" cy="3595642"/>
+            </a:xfrm>
+            <a:prstGeom prst="roundRect">
+              <a:avLst/>
+            </a:prstGeom>
+            <a:solidFill>
+              <a:schemeClr val="accent1">
+                <a:lumMod val="20000"/>
+                <a:lumOff val="80000"/>
+              </a:schemeClr>
+            </a:solidFill>
+          </p:spPr>
+          <p:style>
+            <a:lnRef idx="2">
+              <a:schemeClr val="accent1">
+                <a:shade val="50000"/>
+              </a:schemeClr>
+            </a:lnRef>
+            <a:fillRef idx="1">
+              <a:schemeClr val="accent1"/>
+            </a:fillRef>
+            <a:effectRef idx="0">
+              <a:schemeClr val="accent1"/>
+            </a:effectRef>
+            <a:fontRef idx="minor">
+              <a:schemeClr val="lt1"/>
+            </a:fontRef>
+          </p:style>
+          <p:txBody>
+            <a:bodyPr rtlCol="0" anchor="t"/>
+            <a:lstStyle/>
+            <a:p>
+              <a:endParaRPr lang="en-US" sz="1600" dirty="0"/>
+            </a:p>
+            <a:p>
+              <a:r>
+                <a:rPr lang="en-US" sz="1600" dirty="0">
+                  <a:solidFill>
+                    <a:schemeClr val="tx1"/>
+                  </a:solidFill>
+                </a:rPr>
+                <a:t>Naively apply smoothing and a traditional edge-detecting filter to isolate the outline of a print:</a:t>
+              </a:r>
+            </a:p>
+            <a:p>
+              <a:endParaRPr lang="en-US" sz="1600" dirty="0">
+                <a:solidFill>
+                  <a:schemeClr val="tx1"/>
+                </a:solidFill>
+              </a:endParaRPr>
+            </a:p>
+            <a:p>
+              <a:endParaRPr lang="en-US" sz="1600" dirty="0">
+                <a:solidFill>
+                  <a:schemeClr val="tx1"/>
+                </a:solidFill>
+              </a:endParaRPr>
+            </a:p>
+            <a:p>
+              <a:endParaRPr lang="en-US" sz="1600" dirty="0">
+                <a:solidFill>
+                  <a:schemeClr val="tx1"/>
+                </a:solidFill>
+              </a:endParaRPr>
+            </a:p>
+            <a:p>
+              <a:endParaRPr lang="en-US" sz="1600" dirty="0">
+                <a:solidFill>
+                  <a:schemeClr val="tx1"/>
+                </a:solidFill>
+              </a:endParaRPr>
+            </a:p>
+            <a:p>
+              <a:endParaRPr lang="en-US" sz="1600" dirty="0">
+                <a:solidFill>
+                  <a:schemeClr val="tx1"/>
+                </a:solidFill>
+              </a:endParaRPr>
+            </a:p>
+            <a:p>
+              <a:endParaRPr lang="en-US" sz="1600" dirty="0">
+                <a:solidFill>
+                  <a:schemeClr val="tx1"/>
+                </a:solidFill>
+              </a:endParaRPr>
+            </a:p>
+            <a:p>
+              <a:endParaRPr lang="en-US" sz="1600" dirty="0">
+                <a:solidFill>
+                  <a:schemeClr val="tx1"/>
+                </a:solidFill>
+              </a:endParaRPr>
+            </a:p>
+            <a:p>
+              <a:endParaRPr lang="en-US" sz="1600" dirty="0">
+                <a:solidFill>
+                  <a:schemeClr val="tx1"/>
+                </a:solidFill>
+              </a:endParaRPr>
+            </a:p>
+            <a:p>
+              <a:endParaRPr lang="en-US" sz="1600" dirty="0">
+                <a:solidFill>
+                  <a:schemeClr val="tx1"/>
+                </a:solidFill>
+              </a:endParaRPr>
+            </a:p>
+            <a:p>
+              <a:endParaRPr lang="en-US" sz="1600" dirty="0"/>
+            </a:p>
+          </p:txBody>
+        </p:sp>
+        <p:sp>
+          <p:nvSpPr>
+            <p:cNvPr id="36" name="Text Placeholder 25">
+              <a:extLst>
+                <a:ext uri="{FF2B5EF4-FFF2-40B4-BE49-F238E27FC236}">
+                  <a16:creationId xmlns:a16="http://schemas.microsoft.com/office/drawing/2014/main" id="{B34B759C-DED9-47BF-8950-F12E76D6365B}"/>
+                </a:ext>
+              </a:extLst>
+            </p:cNvPr>
+            <p:cNvSpPr txBox="1">
+              <a:spLocks/>
+            </p:cNvSpPr>
+            <p:nvPr/>
+          </p:nvSpPr>
+          <p:spPr>
+            <a:xfrm>
+              <a:off x="6629400" y="2768058"/>
+              <a:ext cx="5943600" cy="478001"/>
+            </a:xfrm>
+            <a:prstGeom prst="rect">
+              <a:avLst/>
+            </a:prstGeom>
+            <a:solidFill>
+              <a:schemeClr val="tx2">
+                <a:lumMod val="60000"/>
+                <a:lumOff val="40000"/>
+              </a:schemeClr>
+            </a:solidFill>
+            <a:ln>
+              <a:solidFill>
+                <a:srgbClr val="09306B"/>
+              </a:solidFill>
+            </a:ln>
+          </p:spPr>
+          <p:txBody>
+            <a:bodyPr vert="horz"/>
+            <a:lstStyle>
+              <a:lvl1pPr marL="0" indent="0" algn="l" defTabSz="2037740" rtl="0" eaLnBrk="1" latinLnBrk="0" hangingPunct="1">
+                <a:spcBef>
+                  <a:spcPct val="20000"/>
+                </a:spcBef>
+                <a:buFont typeface="Arial" pitchFamily="34" charset="0"/>
+                <a:buNone/>
+                <a:defRPr sz="2400" b="1" kern="1200" baseline="0">
+                  <a:solidFill>
+                    <a:schemeClr val="bg1"/>
+                  </a:solidFill>
+                  <a:latin typeface="Arial"/>
+                  <a:ea typeface="+mn-ea"/>
+                  <a:cs typeface="Arial"/>
+                </a:defRPr>
+              </a:lvl1pPr>
+              <a:lvl2pPr marL="1655664" indent="-636794" algn="l" defTabSz="2037740" rtl="0" eaLnBrk="1" latinLnBrk="0" hangingPunct="1">
+                <a:spcBef>
+                  <a:spcPct val="20000"/>
+                </a:spcBef>
+                <a:buFont typeface="Arial" pitchFamily="34" charset="0"/>
+                <a:buChar char="–"/>
+                <a:defRPr sz="6200" kern="1200">
+                  <a:solidFill>
+                    <a:schemeClr val="tx1"/>
+                  </a:solidFill>
+                  <a:latin typeface="+mn-lt"/>
+                  <a:ea typeface="+mn-ea"/>
+                  <a:cs typeface="+mn-cs"/>
+                </a:defRPr>
+              </a:lvl2pPr>
+              <a:lvl3pPr marL="2547176" indent="-509435" algn="l" defTabSz="2037740" rtl="0" eaLnBrk="1" latinLnBrk="0" hangingPunct="1">
+                <a:spcBef>
+                  <a:spcPct val="20000"/>
+                </a:spcBef>
+                <a:buFont typeface="Arial" pitchFamily="34" charset="0"/>
+                <a:buChar char="•"/>
+                <a:defRPr sz="5300" kern="1200">
+                  <a:solidFill>
+                    <a:schemeClr val="tx1"/>
+                  </a:solidFill>
+                  <a:latin typeface="+mn-lt"/>
+                  <a:ea typeface="+mn-ea"/>
+                  <a:cs typeface="+mn-cs"/>
+                </a:defRPr>
+              </a:lvl3pPr>
+              <a:lvl4pPr marL="3566046" indent="-509435" algn="l" defTabSz="2037740" rtl="0" eaLnBrk="1" latinLnBrk="0" hangingPunct="1">
+                <a:spcBef>
+                  <a:spcPct val="20000"/>
+                </a:spcBef>
+                <a:buFont typeface="Arial" pitchFamily="34" charset="0"/>
+                <a:buChar char="–"/>
+                <a:defRPr sz="4500" kern="1200">
+                  <a:solidFill>
+                    <a:schemeClr val="tx1"/>
+                  </a:solidFill>
+                  <a:latin typeface="+mn-lt"/>
+                  <a:ea typeface="+mn-ea"/>
+                  <a:cs typeface="+mn-cs"/>
+                </a:defRPr>
+              </a:lvl4pPr>
+              <a:lvl5pPr marL="4584916" indent="-509435" algn="l" defTabSz="2037740" rtl="0" eaLnBrk="1" latinLnBrk="0" hangingPunct="1">
+                <a:spcBef>
+                  <a:spcPct val="20000"/>
+                </a:spcBef>
+                <a:buFont typeface="Arial" pitchFamily="34" charset="0"/>
+                <a:buChar char="»"/>
+                <a:defRPr sz="4500" kern="1200">
+                  <a:solidFill>
+                    <a:schemeClr val="tx1"/>
+                  </a:solidFill>
+                  <a:latin typeface="+mn-lt"/>
+                  <a:ea typeface="+mn-ea"/>
+                  <a:cs typeface="+mn-cs"/>
+                </a:defRPr>
+              </a:lvl5pPr>
+              <a:lvl6pPr marL="5603786" indent="-509435" algn="l" defTabSz="2037740" rtl="0" eaLnBrk="1" latinLnBrk="0" hangingPunct="1">
+                <a:spcBef>
+                  <a:spcPct val="20000"/>
+                </a:spcBef>
+                <a:buFont typeface="Arial" pitchFamily="34" charset="0"/>
+                <a:buChar char="•"/>
+                <a:defRPr sz="4500" kern="1200">
+                  <a:solidFill>
+                    <a:schemeClr val="tx1"/>
+                  </a:solidFill>
+                  <a:latin typeface="+mn-lt"/>
+                  <a:ea typeface="+mn-ea"/>
+                  <a:cs typeface="+mn-cs"/>
+                </a:defRPr>
+              </a:lvl6pPr>
+              <a:lvl7pPr marL="6622656" indent="-509435" algn="l" defTabSz="2037740" rtl="0" eaLnBrk="1" latinLnBrk="0" hangingPunct="1">
+                <a:spcBef>
+                  <a:spcPct val="20000"/>
+                </a:spcBef>
+                <a:buFont typeface="Arial" pitchFamily="34" charset="0"/>
+                <a:buChar char="•"/>
+                <a:defRPr sz="4500" kern="1200">
+                  <a:solidFill>
+                    <a:schemeClr val="tx1"/>
+                  </a:solidFill>
+                  <a:latin typeface="+mn-lt"/>
+                  <a:ea typeface="+mn-ea"/>
+                  <a:cs typeface="+mn-cs"/>
+                </a:defRPr>
+              </a:lvl7pPr>
+              <a:lvl8pPr marL="7641527" indent="-509435" algn="l" defTabSz="2037740" rtl="0" eaLnBrk="1" latinLnBrk="0" hangingPunct="1">
+                <a:spcBef>
+                  <a:spcPct val="20000"/>
+                </a:spcBef>
+                <a:buFont typeface="Arial" pitchFamily="34" charset="0"/>
+                <a:buChar char="•"/>
+                <a:defRPr sz="4500" kern="1200">
+                  <a:solidFill>
+                    <a:schemeClr val="tx1"/>
+                  </a:solidFill>
+                  <a:latin typeface="+mn-lt"/>
+                  <a:ea typeface="+mn-ea"/>
+                  <a:cs typeface="+mn-cs"/>
+                </a:defRPr>
+              </a:lvl8pPr>
+              <a:lvl9pPr marL="8660397" indent="-509435" algn="l" defTabSz="2037740" rtl="0" eaLnBrk="1" latinLnBrk="0" hangingPunct="1">
+                <a:spcBef>
+                  <a:spcPct val="20000"/>
+                </a:spcBef>
+                <a:buFont typeface="Arial" pitchFamily="34" charset="0"/>
+                <a:buChar char="•"/>
+                <a:defRPr sz="4500" kern="1200">
+                  <a:solidFill>
+                    <a:schemeClr val="tx1"/>
+                  </a:solidFill>
+                  <a:latin typeface="+mn-lt"/>
+                  <a:ea typeface="+mn-ea"/>
+                  <a:cs typeface="+mn-cs"/>
+                </a:defRPr>
+              </a:lvl9pPr>
+            </a:lstStyle>
+            <a:p>
+              <a:r>
+                <a:rPr lang="en-US" sz="2000" dirty="0"/>
+                <a:t>Speckle Filter Edge Detection</a:t>
+              </a:r>
+            </a:p>
+          </p:txBody>
+        </p:sp>
+      </p:grpSp>
+      <p:grpSp>
+        <p:nvGrpSpPr>
+          <p:cNvPr id="45" name="Group 44">
+            <a:extLst>
+              <a:ext uri="{FF2B5EF4-FFF2-40B4-BE49-F238E27FC236}">
+                <a16:creationId xmlns:a16="http://schemas.microsoft.com/office/drawing/2014/main" id="{5B3CAB78-5DC3-4E88-89B9-A0D510238F03}"/>
+              </a:ext>
+            </a:extLst>
+          </p:cNvPr>
+          <p:cNvGrpSpPr/>
+          <p:nvPr/>
+        </p:nvGrpSpPr>
+        <p:grpSpPr>
+          <a:xfrm>
+            <a:off x="6743700" y="6947378"/>
+            <a:ext cx="5715000" cy="2956427"/>
+            <a:chOff x="6629400" y="2768058"/>
+            <a:chExt cx="5943600" cy="3632742"/>
+          </a:xfrm>
+        </p:grpSpPr>
+        <p:sp>
+          <p:nvSpPr>
+            <p:cNvPr id="46" name="Rectangle: Rounded Corners 45">
+              <a:extLst>
+                <a:ext uri="{FF2B5EF4-FFF2-40B4-BE49-F238E27FC236}">
+                  <a16:creationId xmlns:a16="http://schemas.microsoft.com/office/drawing/2014/main" id="{505AF63C-9FA9-4BA8-AE8A-2FCCEA2A03F7}"/>
+                </a:ext>
+              </a:extLst>
+            </p:cNvPr>
+            <p:cNvSpPr/>
+            <p:nvPr/>
+          </p:nvSpPr>
+          <p:spPr>
+            <a:xfrm>
+              <a:off x="6629400" y="2805158"/>
+              <a:ext cx="5943600" cy="3595642"/>
+            </a:xfrm>
+            <a:prstGeom prst="roundRect">
+              <a:avLst/>
+            </a:prstGeom>
+            <a:solidFill>
+              <a:schemeClr val="accent1">
+                <a:lumMod val="20000"/>
+                <a:lumOff val="80000"/>
+              </a:schemeClr>
+            </a:solidFill>
+          </p:spPr>
+          <p:style>
+            <a:lnRef idx="2">
+              <a:schemeClr val="accent1">
+                <a:shade val="50000"/>
+              </a:schemeClr>
+            </a:lnRef>
+            <a:fillRef idx="1">
+              <a:schemeClr val="accent1"/>
+            </a:fillRef>
+            <a:effectRef idx="0">
+              <a:schemeClr val="accent1"/>
+            </a:effectRef>
+            <a:fontRef idx="minor">
+              <a:schemeClr val="lt1"/>
+            </a:fontRef>
+          </p:style>
+          <p:txBody>
+            <a:bodyPr rtlCol="0" anchor="t"/>
+            <a:lstStyle/>
+            <a:p>
+              <a:endParaRPr lang="en-US" sz="1600" dirty="0"/>
+            </a:p>
+            <a:p>
+              <a:r>
+                <a:rPr lang="en-US" sz="1600" dirty="0">
+                  <a:solidFill>
+                    <a:schemeClr val="tx1"/>
+                  </a:solidFill>
+                </a:rPr>
+                <a:t>View the print and noise in the frequency domain, and design a low-pass filter that cancels out high frequencies in the noise:</a:t>
+              </a:r>
+            </a:p>
+            <a:p>
+              <a:endParaRPr lang="en-US" sz="2000" dirty="0"/>
+            </a:p>
+            <a:p>
+              <a:endParaRPr lang="en-US" sz="2000" dirty="0"/>
+            </a:p>
+            <a:p>
+              <a:pPr algn="ctr"/>
+              <a:r>
+                <a:rPr lang="en-US" sz="2000" dirty="0">
+                  <a:solidFill>
+                    <a:srgbClr val="C00000"/>
+                  </a:solidFill>
+                </a:rPr>
+                <a:t>insert </a:t>
+              </a:r>
+              <a:r>
+                <a:rPr lang="en-US" sz="2000" dirty="0" err="1">
+                  <a:solidFill>
+                    <a:srgbClr val="C00000"/>
+                  </a:solidFill>
+                </a:rPr>
+                <a:t>freq</a:t>
+              </a:r>
+              <a:r>
+                <a:rPr lang="en-US" sz="2000" dirty="0">
+                  <a:solidFill>
+                    <a:srgbClr val="C00000"/>
+                  </a:solidFill>
+                </a:rPr>
+                <a:t> response </a:t>
+              </a:r>
+              <a:r>
+                <a:rPr lang="en-US" sz="2000" dirty="0" err="1">
+                  <a:solidFill>
+                    <a:srgbClr val="C00000"/>
+                  </a:solidFill>
+                </a:rPr>
+                <a:t>img</a:t>
+              </a:r>
+              <a:r>
+                <a:rPr lang="en-US" sz="2000" dirty="0">
+                  <a:solidFill>
+                    <a:srgbClr val="C00000"/>
+                  </a:solidFill>
+                </a:rPr>
+                <a:t> here</a:t>
+              </a:r>
+            </a:p>
+          </p:txBody>
+        </p:sp>
+        <p:sp>
+          <p:nvSpPr>
+            <p:cNvPr id="47" name="Text Placeholder 25">
+              <a:extLst>
+                <a:ext uri="{FF2B5EF4-FFF2-40B4-BE49-F238E27FC236}">
+                  <a16:creationId xmlns:a16="http://schemas.microsoft.com/office/drawing/2014/main" id="{45522374-08F5-401F-BA76-BC7CEC2F027C}"/>
+                </a:ext>
+              </a:extLst>
+            </p:cNvPr>
+            <p:cNvSpPr txBox="1">
+              <a:spLocks/>
+            </p:cNvSpPr>
+            <p:nvPr/>
+          </p:nvSpPr>
+          <p:spPr>
+            <a:xfrm>
+              <a:off x="6629400" y="2768058"/>
+              <a:ext cx="5943600" cy="521700"/>
+            </a:xfrm>
+            <a:prstGeom prst="rect">
+              <a:avLst/>
+            </a:prstGeom>
+            <a:solidFill>
+              <a:schemeClr val="tx2">
+                <a:lumMod val="60000"/>
+                <a:lumOff val="40000"/>
+              </a:schemeClr>
+            </a:solidFill>
+            <a:ln>
+              <a:solidFill>
+                <a:srgbClr val="09306B"/>
+              </a:solidFill>
+            </a:ln>
+          </p:spPr>
+          <p:txBody>
+            <a:bodyPr vert="horz"/>
+            <a:lstStyle>
+              <a:lvl1pPr marL="0" indent="0" algn="l" defTabSz="2037740" rtl="0" eaLnBrk="1" latinLnBrk="0" hangingPunct="1">
+                <a:spcBef>
+                  <a:spcPct val="20000"/>
+                </a:spcBef>
+                <a:buFont typeface="Arial" pitchFamily="34" charset="0"/>
+                <a:buNone/>
+                <a:defRPr sz="2400" b="1" kern="1200" baseline="0">
+                  <a:solidFill>
+                    <a:schemeClr val="bg1"/>
+                  </a:solidFill>
+                  <a:latin typeface="Arial"/>
+                  <a:ea typeface="+mn-ea"/>
+                  <a:cs typeface="Arial"/>
+                </a:defRPr>
+              </a:lvl1pPr>
+              <a:lvl2pPr marL="1655664" indent="-636794" algn="l" defTabSz="2037740" rtl="0" eaLnBrk="1" latinLnBrk="0" hangingPunct="1">
+                <a:spcBef>
+                  <a:spcPct val="20000"/>
+                </a:spcBef>
+                <a:buFont typeface="Arial" pitchFamily="34" charset="0"/>
+                <a:buChar char="–"/>
+                <a:defRPr sz="6200" kern="1200">
+                  <a:solidFill>
+                    <a:schemeClr val="tx1"/>
+                  </a:solidFill>
+                  <a:latin typeface="+mn-lt"/>
+                  <a:ea typeface="+mn-ea"/>
+                  <a:cs typeface="+mn-cs"/>
+                </a:defRPr>
+              </a:lvl2pPr>
+              <a:lvl3pPr marL="2547176" indent="-509435" algn="l" defTabSz="2037740" rtl="0" eaLnBrk="1" latinLnBrk="0" hangingPunct="1">
+                <a:spcBef>
+                  <a:spcPct val="20000"/>
+                </a:spcBef>
+                <a:buFont typeface="Arial" pitchFamily="34" charset="0"/>
+                <a:buChar char="•"/>
+                <a:defRPr sz="5300" kern="1200">
+                  <a:solidFill>
+                    <a:schemeClr val="tx1"/>
+                  </a:solidFill>
+                  <a:latin typeface="+mn-lt"/>
+                  <a:ea typeface="+mn-ea"/>
+                  <a:cs typeface="+mn-cs"/>
+                </a:defRPr>
+              </a:lvl3pPr>
+              <a:lvl4pPr marL="3566046" indent="-509435" algn="l" defTabSz="2037740" rtl="0" eaLnBrk="1" latinLnBrk="0" hangingPunct="1">
+                <a:spcBef>
+                  <a:spcPct val="20000"/>
+                </a:spcBef>
+                <a:buFont typeface="Arial" pitchFamily="34" charset="0"/>
+                <a:buChar char="–"/>
+                <a:defRPr sz="4500" kern="1200">
+                  <a:solidFill>
+                    <a:schemeClr val="tx1"/>
+                  </a:solidFill>
+                  <a:latin typeface="+mn-lt"/>
+                  <a:ea typeface="+mn-ea"/>
+                  <a:cs typeface="+mn-cs"/>
+                </a:defRPr>
+              </a:lvl4pPr>
+              <a:lvl5pPr marL="4584916" indent="-509435" algn="l" defTabSz="2037740" rtl="0" eaLnBrk="1" latinLnBrk="0" hangingPunct="1">
+                <a:spcBef>
+                  <a:spcPct val="20000"/>
+                </a:spcBef>
+                <a:buFont typeface="Arial" pitchFamily="34" charset="0"/>
+                <a:buChar char="»"/>
+                <a:defRPr sz="4500" kern="1200">
+                  <a:solidFill>
+                    <a:schemeClr val="tx1"/>
+                  </a:solidFill>
+                  <a:latin typeface="+mn-lt"/>
+                  <a:ea typeface="+mn-ea"/>
+                  <a:cs typeface="+mn-cs"/>
+                </a:defRPr>
+              </a:lvl5pPr>
+              <a:lvl6pPr marL="5603786" indent="-509435" algn="l" defTabSz="2037740" rtl="0" eaLnBrk="1" latinLnBrk="0" hangingPunct="1">
+                <a:spcBef>
+                  <a:spcPct val="20000"/>
+                </a:spcBef>
+                <a:buFont typeface="Arial" pitchFamily="34" charset="0"/>
+                <a:buChar char="•"/>
+                <a:defRPr sz="4500" kern="1200">
+                  <a:solidFill>
+                    <a:schemeClr val="tx1"/>
+                  </a:solidFill>
+                  <a:latin typeface="+mn-lt"/>
+                  <a:ea typeface="+mn-ea"/>
+                  <a:cs typeface="+mn-cs"/>
+                </a:defRPr>
+              </a:lvl6pPr>
+              <a:lvl7pPr marL="6622656" indent="-509435" algn="l" defTabSz="2037740" rtl="0" eaLnBrk="1" latinLnBrk="0" hangingPunct="1">
+                <a:spcBef>
+                  <a:spcPct val="20000"/>
+                </a:spcBef>
+                <a:buFont typeface="Arial" pitchFamily="34" charset="0"/>
+                <a:buChar char="•"/>
+                <a:defRPr sz="4500" kern="1200">
+                  <a:solidFill>
+                    <a:schemeClr val="tx1"/>
+                  </a:solidFill>
+                  <a:latin typeface="+mn-lt"/>
+                  <a:ea typeface="+mn-ea"/>
+                  <a:cs typeface="+mn-cs"/>
+                </a:defRPr>
+              </a:lvl7pPr>
+              <a:lvl8pPr marL="7641527" indent="-509435" algn="l" defTabSz="2037740" rtl="0" eaLnBrk="1" latinLnBrk="0" hangingPunct="1">
+                <a:spcBef>
+                  <a:spcPct val="20000"/>
+                </a:spcBef>
+                <a:buFont typeface="Arial" pitchFamily="34" charset="0"/>
+                <a:buChar char="•"/>
+                <a:defRPr sz="4500" kern="1200">
+                  <a:solidFill>
+                    <a:schemeClr val="tx1"/>
+                  </a:solidFill>
+                  <a:latin typeface="+mn-lt"/>
+                  <a:ea typeface="+mn-ea"/>
+                  <a:cs typeface="+mn-cs"/>
+                </a:defRPr>
+              </a:lvl8pPr>
+              <a:lvl9pPr marL="8660397" indent="-509435" algn="l" defTabSz="2037740" rtl="0" eaLnBrk="1" latinLnBrk="0" hangingPunct="1">
+                <a:spcBef>
+                  <a:spcPct val="20000"/>
+                </a:spcBef>
+                <a:buFont typeface="Arial" pitchFamily="34" charset="0"/>
+                <a:buChar char="•"/>
+                <a:defRPr sz="4500" kern="1200">
+                  <a:solidFill>
+                    <a:schemeClr val="tx1"/>
+                  </a:solidFill>
+                  <a:latin typeface="+mn-lt"/>
+                  <a:ea typeface="+mn-ea"/>
+                  <a:cs typeface="+mn-cs"/>
+                </a:defRPr>
+              </a:lvl9pPr>
+            </a:lstStyle>
+            <a:p>
+              <a:r>
+                <a:rPr lang="en-US" sz="2000" dirty="0"/>
+                <a:t>Frequency Domain Transformation</a:t>
+              </a:r>
+            </a:p>
+          </p:txBody>
+        </p:sp>
+      </p:grpSp>
+      <p:grpSp>
+        <p:nvGrpSpPr>
+          <p:cNvPr id="48" name="Group 47">
+            <a:extLst>
+              <a:ext uri="{FF2B5EF4-FFF2-40B4-BE49-F238E27FC236}">
+                <a16:creationId xmlns:a16="http://schemas.microsoft.com/office/drawing/2014/main" id="{6FDA16A5-B998-45A4-9486-79396F3D289B}"/>
+              </a:ext>
+            </a:extLst>
+          </p:cNvPr>
+          <p:cNvGrpSpPr/>
+          <p:nvPr/>
+        </p:nvGrpSpPr>
+        <p:grpSpPr>
+          <a:xfrm>
+            <a:off x="6705600" y="10159906"/>
+            <a:ext cx="5753100" cy="5918295"/>
+            <a:chOff x="6589776" y="2770258"/>
+            <a:chExt cx="5983224" cy="3577409"/>
+          </a:xfrm>
+        </p:grpSpPr>
+        <p:sp>
+          <p:nvSpPr>
+            <p:cNvPr id="49" name="Rectangle: Rounded Corners 48">
+              <a:extLst>
+                <a:ext uri="{FF2B5EF4-FFF2-40B4-BE49-F238E27FC236}">
+                  <a16:creationId xmlns:a16="http://schemas.microsoft.com/office/drawing/2014/main" id="{C7C47145-9B48-4E61-AB76-85978514DEDA}"/>
+                </a:ext>
+              </a:extLst>
+            </p:cNvPr>
+            <p:cNvSpPr/>
+            <p:nvPr/>
+          </p:nvSpPr>
+          <p:spPr>
+            <a:xfrm>
+              <a:off x="6589776" y="2793926"/>
+              <a:ext cx="5943600" cy="3553741"/>
+            </a:xfrm>
+            <a:prstGeom prst="roundRect">
+              <a:avLst/>
+            </a:prstGeom>
+            <a:solidFill>
+              <a:schemeClr val="accent1">
+                <a:lumMod val="20000"/>
+                <a:lumOff val="80000"/>
+              </a:schemeClr>
+            </a:solidFill>
+          </p:spPr>
+          <p:style>
+            <a:lnRef idx="2">
+              <a:schemeClr val="accent1">
+                <a:shade val="50000"/>
+              </a:schemeClr>
+            </a:lnRef>
+            <a:fillRef idx="1">
+              <a:schemeClr val="accent1"/>
+            </a:fillRef>
+            <a:effectRef idx="0">
+              <a:schemeClr val="accent1"/>
+            </a:effectRef>
+            <a:fontRef idx="minor">
+              <a:schemeClr val="lt1"/>
+            </a:fontRef>
+          </p:style>
+          <p:txBody>
+            <a:bodyPr rtlCol="0" anchor="t"/>
+            <a:lstStyle/>
+            <a:p>
+              <a:endParaRPr lang="en-US" sz="2000" dirty="0"/>
+            </a:p>
+            <a:p>
+              <a:r>
+                <a:rPr lang="en-US" sz="1600" dirty="0">
+                  <a:solidFill>
+                    <a:schemeClr val="tx1"/>
+                  </a:solidFill>
+                </a:rPr>
+                <a:t>Create masks of training images and sample frames from them to train an inside-the-footprint/outside-the-footprint classifier:</a:t>
+              </a:r>
+            </a:p>
+          </p:txBody>
+        </p:sp>
+        <p:sp>
+          <p:nvSpPr>
+            <p:cNvPr id="50" name="Text Placeholder 25">
+              <a:extLst>
+                <a:ext uri="{FF2B5EF4-FFF2-40B4-BE49-F238E27FC236}">
+                  <a16:creationId xmlns:a16="http://schemas.microsoft.com/office/drawing/2014/main" id="{855C4C31-0AAC-4724-8823-47D2667F9186}"/>
+                </a:ext>
+              </a:extLst>
+            </p:cNvPr>
+            <p:cNvSpPr txBox="1">
+              <a:spLocks/>
+            </p:cNvSpPr>
+            <p:nvPr/>
+          </p:nvSpPr>
+          <p:spPr>
+            <a:xfrm>
+              <a:off x="6629400" y="2770258"/>
+              <a:ext cx="5943600" cy="402591"/>
+            </a:xfrm>
+            <a:prstGeom prst="rect">
+              <a:avLst/>
+            </a:prstGeom>
+            <a:solidFill>
+              <a:schemeClr val="tx2">
+                <a:lumMod val="60000"/>
+                <a:lumOff val="40000"/>
+              </a:schemeClr>
+            </a:solidFill>
+            <a:ln>
+              <a:solidFill>
+                <a:srgbClr val="09306B"/>
+              </a:solidFill>
+            </a:ln>
+          </p:spPr>
+          <p:txBody>
+            <a:bodyPr vert="horz"/>
+            <a:lstStyle>
+              <a:lvl1pPr marL="0" indent="0" algn="l" defTabSz="2037740" rtl="0" eaLnBrk="1" latinLnBrk="0" hangingPunct="1">
+                <a:spcBef>
+                  <a:spcPct val="20000"/>
+                </a:spcBef>
+                <a:buFont typeface="Arial" pitchFamily="34" charset="0"/>
+                <a:buNone/>
+                <a:defRPr sz="2400" b="1" kern="1200" baseline="0">
+                  <a:solidFill>
+                    <a:schemeClr val="bg1"/>
+                  </a:solidFill>
+                  <a:latin typeface="Arial"/>
+                  <a:ea typeface="+mn-ea"/>
+                  <a:cs typeface="Arial"/>
+                </a:defRPr>
+              </a:lvl1pPr>
+              <a:lvl2pPr marL="1655664" indent="-636794" algn="l" defTabSz="2037740" rtl="0" eaLnBrk="1" latinLnBrk="0" hangingPunct="1">
+                <a:spcBef>
+                  <a:spcPct val="20000"/>
+                </a:spcBef>
+                <a:buFont typeface="Arial" pitchFamily="34" charset="0"/>
+                <a:buChar char="–"/>
+                <a:defRPr sz="6200" kern="1200">
+                  <a:solidFill>
+                    <a:schemeClr val="tx1"/>
+                  </a:solidFill>
+                  <a:latin typeface="+mn-lt"/>
+                  <a:ea typeface="+mn-ea"/>
+                  <a:cs typeface="+mn-cs"/>
+                </a:defRPr>
+              </a:lvl2pPr>
+              <a:lvl3pPr marL="2547176" indent="-509435" algn="l" defTabSz="2037740" rtl="0" eaLnBrk="1" latinLnBrk="0" hangingPunct="1">
+                <a:spcBef>
+                  <a:spcPct val="20000"/>
+                </a:spcBef>
+                <a:buFont typeface="Arial" pitchFamily="34" charset="0"/>
+                <a:buChar char="•"/>
+                <a:defRPr sz="5300" kern="1200">
+                  <a:solidFill>
+                    <a:schemeClr val="tx1"/>
+                  </a:solidFill>
+                  <a:latin typeface="+mn-lt"/>
+                  <a:ea typeface="+mn-ea"/>
+                  <a:cs typeface="+mn-cs"/>
+                </a:defRPr>
+              </a:lvl3pPr>
+              <a:lvl4pPr marL="3566046" indent="-509435" algn="l" defTabSz="2037740" rtl="0" eaLnBrk="1" latinLnBrk="0" hangingPunct="1">
+                <a:spcBef>
+                  <a:spcPct val="20000"/>
+                </a:spcBef>
+                <a:buFont typeface="Arial" pitchFamily="34" charset="0"/>
+                <a:buChar char="–"/>
+                <a:defRPr sz="4500" kern="1200">
+                  <a:solidFill>
+                    <a:schemeClr val="tx1"/>
+                  </a:solidFill>
+                  <a:latin typeface="+mn-lt"/>
+                  <a:ea typeface="+mn-ea"/>
+                  <a:cs typeface="+mn-cs"/>
+                </a:defRPr>
+              </a:lvl4pPr>
+              <a:lvl5pPr marL="4584916" indent="-509435" algn="l" defTabSz="2037740" rtl="0" eaLnBrk="1" latinLnBrk="0" hangingPunct="1">
+                <a:spcBef>
+                  <a:spcPct val="20000"/>
+                </a:spcBef>
+                <a:buFont typeface="Arial" pitchFamily="34" charset="0"/>
+                <a:buChar char="»"/>
+                <a:defRPr sz="4500" kern="1200">
+                  <a:solidFill>
+                    <a:schemeClr val="tx1"/>
+                  </a:solidFill>
+                  <a:latin typeface="+mn-lt"/>
+                  <a:ea typeface="+mn-ea"/>
+                  <a:cs typeface="+mn-cs"/>
+                </a:defRPr>
+              </a:lvl5pPr>
+              <a:lvl6pPr marL="5603786" indent="-509435" algn="l" defTabSz="2037740" rtl="0" eaLnBrk="1" latinLnBrk="0" hangingPunct="1">
+                <a:spcBef>
+                  <a:spcPct val="20000"/>
+                </a:spcBef>
+                <a:buFont typeface="Arial" pitchFamily="34" charset="0"/>
+                <a:buChar char="•"/>
+                <a:defRPr sz="4500" kern="1200">
+                  <a:solidFill>
+                    <a:schemeClr val="tx1"/>
+                  </a:solidFill>
+                  <a:latin typeface="+mn-lt"/>
+                  <a:ea typeface="+mn-ea"/>
+                  <a:cs typeface="+mn-cs"/>
+                </a:defRPr>
+              </a:lvl6pPr>
+              <a:lvl7pPr marL="6622656" indent="-509435" algn="l" defTabSz="2037740" rtl="0" eaLnBrk="1" latinLnBrk="0" hangingPunct="1">
+                <a:spcBef>
+                  <a:spcPct val="20000"/>
+                </a:spcBef>
+                <a:buFont typeface="Arial" pitchFamily="34" charset="0"/>
+                <a:buChar char="•"/>
+                <a:defRPr sz="4500" kern="1200">
+                  <a:solidFill>
+                    <a:schemeClr val="tx1"/>
+                  </a:solidFill>
+                  <a:latin typeface="+mn-lt"/>
+                  <a:ea typeface="+mn-ea"/>
+                  <a:cs typeface="+mn-cs"/>
+                </a:defRPr>
+              </a:lvl7pPr>
+              <a:lvl8pPr marL="7641527" indent="-509435" algn="l" defTabSz="2037740" rtl="0" eaLnBrk="1" latinLnBrk="0" hangingPunct="1">
+                <a:spcBef>
+                  <a:spcPct val="20000"/>
+                </a:spcBef>
+                <a:buFont typeface="Arial" pitchFamily="34" charset="0"/>
+                <a:buChar char="•"/>
+                <a:defRPr sz="4500" kern="1200">
+                  <a:solidFill>
+                    <a:schemeClr val="tx1"/>
+                  </a:solidFill>
+                  <a:latin typeface="+mn-lt"/>
+                  <a:ea typeface="+mn-ea"/>
+                  <a:cs typeface="+mn-cs"/>
+                </a:defRPr>
+              </a:lvl8pPr>
+              <a:lvl9pPr marL="8660397" indent="-509435" algn="l" defTabSz="2037740" rtl="0" eaLnBrk="1" latinLnBrk="0" hangingPunct="1">
+                <a:spcBef>
+                  <a:spcPct val="20000"/>
+                </a:spcBef>
+                <a:buFont typeface="Arial" pitchFamily="34" charset="0"/>
+                <a:buChar char="•"/>
+                <a:defRPr sz="4500" kern="1200">
+                  <a:solidFill>
+                    <a:schemeClr val="tx1"/>
+                  </a:solidFill>
+                  <a:latin typeface="+mn-lt"/>
+                  <a:ea typeface="+mn-ea"/>
+                  <a:cs typeface="+mn-cs"/>
+                </a:defRPr>
+              </a:lvl9pPr>
+            </a:lstStyle>
+            <a:p>
+              <a:r>
+                <a:rPr lang="en-US" sz="2000" dirty="0"/>
+                <a:t>Convolutional Neural Network Training</a:t>
+              </a:r>
+            </a:p>
+          </p:txBody>
+        </p:sp>
+      </p:grpSp>
+      <p:sp>
+        <p:nvSpPr>
+          <p:cNvPr id="51" name="Text Placeholder 27">
+            <a:extLst>
+              <a:ext uri="{FF2B5EF4-FFF2-40B4-BE49-F238E27FC236}">
+                <a16:creationId xmlns:a16="http://schemas.microsoft.com/office/drawing/2014/main" id="{68B819E9-3940-4670-92D4-2FB2FCEF7756}"/>
+              </a:ext>
+            </a:extLst>
+          </p:cNvPr>
+          <p:cNvSpPr txBox="1">
+            <a:spLocks/>
+          </p:cNvSpPr>
+          <p:nvPr/>
+        </p:nvSpPr>
+        <p:spPr>
+          <a:xfrm>
+            <a:off x="12954000" y="10014657"/>
+            <a:ext cx="5943600" cy="533400"/>
+          </a:xfrm>
+          <a:prstGeom prst="rect">
+            <a:avLst/>
+          </a:prstGeom>
+          <a:solidFill>
+            <a:srgbClr val="1A4BA9"/>
+          </a:solidFill>
+          <a:ln>
+            <a:solidFill>
+              <a:srgbClr val="09306B"/>
+            </a:solidFill>
+          </a:ln>
+        </p:spPr>
+        <p:txBody>
+          <a:bodyPr vert="horz"/>
+          <a:lstStyle>
+            <a:lvl1pPr marL="0" indent="0" algn="l" defTabSz="2037740" rtl="0" eaLnBrk="1" latinLnBrk="0" hangingPunct="1">
+              <a:spcBef>
+                <a:spcPct val="20000"/>
+              </a:spcBef>
+              <a:buFont typeface="Arial" pitchFamily="34" charset="0"/>
+              <a:buNone/>
+              <a:defRPr sz="2400" b="1" kern="1200" baseline="0">
+                <a:solidFill>
+                  <a:schemeClr val="bg1"/>
+                </a:solidFill>
+                <a:latin typeface="Arial"/>
+                <a:ea typeface="+mn-ea"/>
+                <a:cs typeface="Arial"/>
+              </a:defRPr>
+            </a:lvl1pPr>
+            <a:lvl2pPr marL="1655664" indent="-636794" algn="l" defTabSz="2037740" rtl="0" eaLnBrk="1" latinLnBrk="0" hangingPunct="1">
+              <a:spcBef>
+                <a:spcPct val="20000"/>
+              </a:spcBef>
+              <a:buFont typeface="Arial" pitchFamily="34" charset="0"/>
+              <a:buChar char="–"/>
+              <a:defRPr sz="6200" kern="1200">
+                <a:solidFill>
+                  <a:schemeClr val="tx1"/>
+                </a:solidFill>
+                <a:latin typeface="+mn-lt"/>
+                <a:ea typeface="+mn-ea"/>
+                <a:cs typeface="+mn-cs"/>
+              </a:defRPr>
+            </a:lvl2pPr>
+            <a:lvl3pPr marL="2547176" indent="-509435" algn="l" defTabSz="2037740" rtl="0" eaLnBrk="1" latinLnBrk="0" hangingPunct="1">
+              <a:spcBef>
+                <a:spcPct val="20000"/>
+              </a:spcBef>
+              <a:buFont typeface="Arial" pitchFamily="34" charset="0"/>
+              <a:buChar char="•"/>
+              <a:defRPr sz="5300" kern="1200">
+                <a:solidFill>
+                  <a:schemeClr val="tx1"/>
+                </a:solidFill>
+                <a:latin typeface="+mn-lt"/>
+                <a:ea typeface="+mn-ea"/>
+                <a:cs typeface="+mn-cs"/>
+              </a:defRPr>
+            </a:lvl3pPr>
+            <a:lvl4pPr marL="3566046" indent="-509435" algn="l" defTabSz="2037740" rtl="0" eaLnBrk="1" latinLnBrk="0" hangingPunct="1">
+              <a:spcBef>
+                <a:spcPct val="20000"/>
+              </a:spcBef>
+              <a:buFont typeface="Arial" pitchFamily="34" charset="0"/>
+              <a:buChar char="–"/>
+              <a:defRPr sz="4500" kern="1200">
+                <a:solidFill>
+                  <a:schemeClr val="tx1"/>
+                </a:solidFill>
+                <a:latin typeface="+mn-lt"/>
+                <a:ea typeface="+mn-ea"/>
+                <a:cs typeface="+mn-cs"/>
+              </a:defRPr>
+            </a:lvl4pPr>
+            <a:lvl5pPr marL="4584916" indent="-509435" algn="l" defTabSz="2037740" rtl="0" eaLnBrk="1" latinLnBrk="0" hangingPunct="1">
+              <a:spcBef>
+                <a:spcPct val="20000"/>
+              </a:spcBef>
+              <a:buFont typeface="Arial" pitchFamily="34" charset="0"/>
+              <a:buChar char="»"/>
+              <a:defRPr sz="4500" kern="1200">
+                <a:solidFill>
+                  <a:schemeClr val="tx1"/>
+                </a:solidFill>
+                <a:latin typeface="+mn-lt"/>
+                <a:ea typeface="+mn-ea"/>
+                <a:cs typeface="+mn-cs"/>
+              </a:defRPr>
+            </a:lvl5pPr>
+            <a:lvl6pPr marL="5603786" indent="-509435" algn="l" defTabSz="2037740" rtl="0" eaLnBrk="1" latinLnBrk="0" hangingPunct="1">
+              <a:spcBef>
+                <a:spcPct val="20000"/>
+              </a:spcBef>
+              <a:buFont typeface="Arial" pitchFamily="34" charset="0"/>
+              <a:buChar char="•"/>
+              <a:defRPr sz="4500" kern="1200">
+                <a:solidFill>
+                  <a:schemeClr val="tx1"/>
+                </a:solidFill>
+                <a:latin typeface="+mn-lt"/>
+                <a:ea typeface="+mn-ea"/>
+                <a:cs typeface="+mn-cs"/>
+              </a:defRPr>
+            </a:lvl6pPr>
+            <a:lvl7pPr marL="6622656" indent="-509435" algn="l" defTabSz="2037740" rtl="0" eaLnBrk="1" latinLnBrk="0" hangingPunct="1">
+              <a:spcBef>
+                <a:spcPct val="20000"/>
+              </a:spcBef>
+              <a:buFont typeface="Arial" pitchFamily="34" charset="0"/>
+              <a:buChar char="•"/>
+              <a:defRPr sz="4500" kern="1200">
+                <a:solidFill>
+                  <a:schemeClr val="tx1"/>
+                </a:solidFill>
+                <a:latin typeface="+mn-lt"/>
+                <a:ea typeface="+mn-ea"/>
+                <a:cs typeface="+mn-cs"/>
+              </a:defRPr>
+            </a:lvl7pPr>
+            <a:lvl8pPr marL="7641527" indent="-509435" algn="l" defTabSz="2037740" rtl="0" eaLnBrk="1" latinLnBrk="0" hangingPunct="1">
+              <a:spcBef>
+                <a:spcPct val="20000"/>
+              </a:spcBef>
+              <a:buFont typeface="Arial" pitchFamily="34" charset="0"/>
+              <a:buChar char="•"/>
+              <a:defRPr sz="4500" kern="1200">
+                <a:solidFill>
+                  <a:schemeClr val="tx1"/>
+                </a:solidFill>
+                <a:latin typeface="+mn-lt"/>
+                <a:ea typeface="+mn-ea"/>
+                <a:cs typeface="+mn-cs"/>
+              </a:defRPr>
+            </a:lvl8pPr>
+            <a:lvl9pPr marL="8660397" indent="-509435" algn="l" defTabSz="2037740" rtl="0" eaLnBrk="1" latinLnBrk="0" hangingPunct="1">
+              <a:spcBef>
+                <a:spcPct val="20000"/>
+              </a:spcBef>
+              <a:buFont typeface="Arial" pitchFamily="34" charset="0"/>
+              <a:buChar char="•"/>
+              <a:defRPr sz="4500" kern="1200">
+                <a:solidFill>
+                  <a:schemeClr val="tx1"/>
+                </a:solidFill>
+                <a:latin typeface="+mn-lt"/>
+                <a:ea typeface="+mn-ea"/>
+                <a:cs typeface="+mn-cs"/>
+              </a:defRPr>
+            </a:lvl9pPr>
+          </a:lstStyle>
+          <a:p>
+            <a:r>
+              <a:rPr lang="en-US" dirty="0"/>
+              <a:t>Conclusions</a:t>
+            </a:r>
+          </a:p>
+        </p:txBody>
+      </p:sp>
+      <p:sp>
+        <p:nvSpPr>
+          <p:cNvPr id="52" name="Text Placeholder 28">
+            <a:extLst>
+              <a:ext uri="{FF2B5EF4-FFF2-40B4-BE49-F238E27FC236}">
+                <a16:creationId xmlns:a16="http://schemas.microsoft.com/office/drawing/2014/main" id="{675E2844-A322-4C63-92B5-DBDE773E3BFC}"/>
+              </a:ext>
+            </a:extLst>
+          </p:cNvPr>
+          <p:cNvSpPr txBox="1">
+            <a:spLocks/>
+          </p:cNvSpPr>
+          <p:nvPr/>
+        </p:nvSpPr>
+        <p:spPr>
+          <a:xfrm>
+            <a:off x="12954000" y="10515600"/>
+            <a:ext cx="5943600" cy="1598356"/>
+          </a:xfrm>
+          <a:prstGeom prst="rect">
+            <a:avLst/>
+          </a:prstGeom>
+          <a:ln>
+            <a:solidFill>
+              <a:schemeClr val="tx1"/>
+            </a:solidFill>
+          </a:ln>
+        </p:spPr>
+        <p:txBody>
+          <a:bodyPr vert="horz"/>
+          <a:lstStyle>
+            <a:lvl1pPr marL="764153" indent="-764153" algn="l" defTabSz="2037740" rtl="0" eaLnBrk="1" latinLnBrk="0" hangingPunct="1">
+              <a:spcBef>
+                <a:spcPct val="20000"/>
+              </a:spcBef>
+              <a:buFont typeface="Arial" pitchFamily="34" charset="0"/>
+              <a:buChar char="•"/>
+              <a:defRPr sz="1600" kern="1200">
+                <a:solidFill>
+                  <a:schemeClr val="tx1"/>
+                </a:solidFill>
+                <a:latin typeface="+mn-lt"/>
+                <a:ea typeface="+mn-ea"/>
+                <a:cs typeface="+mn-cs"/>
+              </a:defRPr>
+            </a:lvl1pPr>
+            <a:lvl2pPr marL="1655664" indent="-636794" algn="l" defTabSz="2037740" rtl="0" eaLnBrk="1" latinLnBrk="0" hangingPunct="1">
+              <a:spcBef>
+                <a:spcPct val="20000"/>
+              </a:spcBef>
+              <a:buFont typeface="Arial" pitchFamily="34" charset="0"/>
+              <a:buChar char="–"/>
+              <a:defRPr sz="1600" kern="1200">
+                <a:solidFill>
+                  <a:schemeClr val="tx1"/>
+                </a:solidFill>
+                <a:latin typeface="+mn-lt"/>
+                <a:ea typeface="+mn-ea"/>
+                <a:cs typeface="+mn-cs"/>
+              </a:defRPr>
+            </a:lvl2pPr>
+            <a:lvl3pPr marL="2547176" indent="-509435" algn="l" defTabSz="2037740" rtl="0" eaLnBrk="1" latinLnBrk="0" hangingPunct="1">
+              <a:spcBef>
+                <a:spcPct val="20000"/>
+              </a:spcBef>
+              <a:buFont typeface="Arial" pitchFamily="34" charset="0"/>
+              <a:buChar char="•"/>
+              <a:defRPr sz="1600" kern="1200">
+                <a:solidFill>
+                  <a:schemeClr val="tx1"/>
+                </a:solidFill>
+                <a:latin typeface="+mn-lt"/>
+                <a:ea typeface="+mn-ea"/>
+                <a:cs typeface="+mn-cs"/>
+              </a:defRPr>
+            </a:lvl3pPr>
+            <a:lvl4pPr marL="3566046" indent="-509435" algn="l" defTabSz="2037740" rtl="0" eaLnBrk="1" latinLnBrk="0" hangingPunct="1">
+              <a:spcBef>
+                <a:spcPct val="20000"/>
+              </a:spcBef>
+              <a:buFont typeface="Arial" pitchFamily="34" charset="0"/>
+              <a:buChar char="–"/>
+              <a:defRPr sz="1600" kern="1200">
+                <a:solidFill>
+                  <a:schemeClr val="tx1"/>
+                </a:solidFill>
+                <a:latin typeface="+mn-lt"/>
+                <a:ea typeface="+mn-ea"/>
+                <a:cs typeface="+mn-cs"/>
+              </a:defRPr>
+            </a:lvl4pPr>
+            <a:lvl5pPr marL="4584916" indent="-509435" algn="l" defTabSz="2037740" rtl="0" eaLnBrk="1" latinLnBrk="0" hangingPunct="1">
+              <a:spcBef>
+                <a:spcPct val="20000"/>
+              </a:spcBef>
+              <a:buFont typeface="Arial" pitchFamily="34" charset="0"/>
+              <a:buChar char="»"/>
+              <a:defRPr sz="1600" kern="1200">
+                <a:solidFill>
+                  <a:schemeClr val="tx1"/>
+                </a:solidFill>
+                <a:latin typeface="+mn-lt"/>
+                <a:ea typeface="+mn-ea"/>
+                <a:cs typeface="+mn-cs"/>
+              </a:defRPr>
+            </a:lvl5pPr>
+            <a:lvl6pPr marL="5603786" indent="-509435" algn="l" defTabSz="2037740" rtl="0" eaLnBrk="1" latinLnBrk="0" hangingPunct="1">
+              <a:spcBef>
+                <a:spcPct val="20000"/>
+              </a:spcBef>
+              <a:buFont typeface="Arial" pitchFamily="34" charset="0"/>
+              <a:buChar char="•"/>
+              <a:defRPr sz="4500" kern="1200">
+                <a:solidFill>
+                  <a:schemeClr val="tx1"/>
+                </a:solidFill>
+                <a:latin typeface="+mn-lt"/>
+                <a:ea typeface="+mn-ea"/>
+                <a:cs typeface="+mn-cs"/>
+              </a:defRPr>
+            </a:lvl6pPr>
+            <a:lvl7pPr marL="6622656" indent="-509435" algn="l" defTabSz="2037740" rtl="0" eaLnBrk="1" latinLnBrk="0" hangingPunct="1">
+              <a:spcBef>
+                <a:spcPct val="20000"/>
+              </a:spcBef>
+              <a:buFont typeface="Arial" pitchFamily="34" charset="0"/>
+              <a:buChar char="•"/>
+              <a:defRPr sz="4500" kern="1200">
+                <a:solidFill>
+                  <a:schemeClr val="tx1"/>
+                </a:solidFill>
+                <a:latin typeface="+mn-lt"/>
+                <a:ea typeface="+mn-ea"/>
+                <a:cs typeface="+mn-cs"/>
+              </a:defRPr>
+            </a:lvl7pPr>
+            <a:lvl8pPr marL="7641527" indent="-509435" algn="l" defTabSz="2037740" rtl="0" eaLnBrk="1" latinLnBrk="0" hangingPunct="1">
+              <a:spcBef>
+                <a:spcPct val="20000"/>
+              </a:spcBef>
+              <a:buFont typeface="Arial" pitchFamily="34" charset="0"/>
+              <a:buChar char="•"/>
+              <a:defRPr sz="4500" kern="1200">
+                <a:solidFill>
+                  <a:schemeClr val="tx1"/>
+                </a:solidFill>
+                <a:latin typeface="+mn-lt"/>
+                <a:ea typeface="+mn-ea"/>
+                <a:cs typeface="+mn-cs"/>
+              </a:defRPr>
+            </a:lvl8pPr>
+            <a:lvl9pPr marL="8660397" indent="-509435" algn="l" defTabSz="2037740" rtl="0" eaLnBrk="1" latinLnBrk="0" hangingPunct="1">
+              <a:spcBef>
+                <a:spcPct val="20000"/>
+              </a:spcBef>
+              <a:buFont typeface="Arial" pitchFamily="34" charset="0"/>
+              <a:buChar char="•"/>
+              <a:defRPr sz="4500" kern="1200">
+                <a:solidFill>
+                  <a:schemeClr val="tx1"/>
+                </a:solidFill>
+                <a:latin typeface="+mn-lt"/>
+                <a:ea typeface="+mn-ea"/>
+                <a:cs typeface="+mn-cs"/>
+              </a:defRPr>
+            </a:lvl9pPr>
+          </a:lstStyle>
+          <a:p>
+            <a:pPr marL="0" indent="0">
+              <a:buNone/>
+            </a:pPr>
+            <a:r>
+              <a:rPr lang="en-US" dirty="0"/>
+              <a:t>I explored three different approaches to solving the paw print isolation problem, each with different merits. The main barriers to accurate results were the drastically different conditions present in each image: lighting, sand texture, imprint depth among others. It is quite difficult to design an automatic system that accounts for this differentiation well enough to beat the human eye.</a:t>
+            </a:r>
+          </a:p>
+        </p:txBody>
+      </p:sp>
+      <p:grpSp>
+        <p:nvGrpSpPr>
+          <p:cNvPr id="53" name="Group 52">
+            <a:extLst>
+              <a:ext uri="{FF2B5EF4-FFF2-40B4-BE49-F238E27FC236}">
+                <a16:creationId xmlns:a16="http://schemas.microsoft.com/office/drawing/2014/main" id="{3B4F292B-02E5-425F-8D89-56AA5C4CA39B}"/>
+              </a:ext>
+            </a:extLst>
+          </p:cNvPr>
+          <p:cNvGrpSpPr/>
+          <p:nvPr/>
+        </p:nvGrpSpPr>
+        <p:grpSpPr>
+          <a:xfrm>
+            <a:off x="392348" y="13596056"/>
+            <a:ext cx="5715000" cy="1491542"/>
+            <a:chOff x="6629400" y="2768058"/>
+            <a:chExt cx="5943600" cy="1938974"/>
+          </a:xfrm>
+        </p:grpSpPr>
+        <p:sp>
+          <p:nvSpPr>
+            <p:cNvPr id="54" name="Rectangle: Rounded Corners 53">
+              <a:extLst>
+                <a:ext uri="{FF2B5EF4-FFF2-40B4-BE49-F238E27FC236}">
+                  <a16:creationId xmlns:a16="http://schemas.microsoft.com/office/drawing/2014/main" id="{712A0097-E195-4717-96ED-5EDACEB60959}"/>
+                </a:ext>
+              </a:extLst>
+            </p:cNvPr>
+            <p:cNvSpPr/>
+            <p:nvPr/>
+          </p:nvSpPr>
+          <p:spPr>
+            <a:xfrm>
+              <a:off x="6629400" y="2780783"/>
+              <a:ext cx="5943600" cy="1926249"/>
+            </a:xfrm>
+            <a:prstGeom prst="roundRect">
+              <a:avLst/>
+            </a:prstGeom>
+            <a:solidFill>
+              <a:schemeClr val="accent1">
+                <a:lumMod val="20000"/>
+                <a:lumOff val="80000"/>
+              </a:schemeClr>
+            </a:solidFill>
+          </p:spPr>
+          <p:style>
+            <a:lnRef idx="2">
+              <a:schemeClr val="accent1">
+                <a:shade val="50000"/>
+              </a:schemeClr>
+            </a:lnRef>
+            <a:fillRef idx="1">
+              <a:schemeClr val="accent1"/>
+            </a:fillRef>
+            <a:effectRef idx="0">
+              <a:schemeClr val="accent1"/>
+            </a:effectRef>
+            <a:fontRef idx="minor">
+              <a:schemeClr val="lt1"/>
+            </a:fontRef>
+          </p:style>
+          <p:txBody>
+            <a:bodyPr rtlCol="0" anchor="t"/>
+            <a:lstStyle/>
+            <a:p>
+              <a:endParaRPr lang="en-US" sz="1600" dirty="0"/>
+            </a:p>
+            <a:p>
+              <a:r>
+                <a:rPr lang="en-US" sz="1600" b="1" dirty="0">
+                  <a:solidFill>
+                    <a:schemeClr val="tx1"/>
+                  </a:solidFill>
+                </a:rPr>
+                <a:t>Speckle Filter Edge Detection</a:t>
+              </a:r>
+            </a:p>
+            <a:p>
+              <a:r>
+                <a:rPr lang="en-US" sz="1600" b="1" dirty="0">
+                  <a:solidFill>
+                    <a:schemeClr val="tx1"/>
+                  </a:solidFill>
+                </a:rPr>
+                <a:t>Frequency Domain Transformation</a:t>
+              </a:r>
+            </a:p>
+            <a:p>
+              <a:r>
+                <a:rPr lang="en-US" sz="1600" b="1" dirty="0">
+                  <a:solidFill>
+                    <a:schemeClr val="tx1"/>
+                  </a:solidFill>
+                </a:rPr>
+                <a:t>CNN Training</a:t>
+              </a:r>
+            </a:p>
+          </p:txBody>
+        </p:sp>
+        <p:sp>
+          <p:nvSpPr>
+            <p:cNvPr id="55" name="Text Placeholder 25">
+              <a:extLst>
+                <a:ext uri="{FF2B5EF4-FFF2-40B4-BE49-F238E27FC236}">
+                  <a16:creationId xmlns:a16="http://schemas.microsoft.com/office/drawing/2014/main" id="{2C24BD19-159D-4923-AA53-A562DE45F460}"/>
+                </a:ext>
+              </a:extLst>
+            </p:cNvPr>
+            <p:cNvSpPr txBox="1">
+              <a:spLocks/>
+            </p:cNvSpPr>
+            <p:nvPr/>
+          </p:nvSpPr>
+          <p:spPr>
+            <a:xfrm>
+              <a:off x="6629400" y="2768058"/>
+              <a:ext cx="5943600" cy="521700"/>
+            </a:xfrm>
+            <a:prstGeom prst="rect">
+              <a:avLst/>
+            </a:prstGeom>
+            <a:solidFill>
+              <a:schemeClr val="tx2">
+                <a:lumMod val="60000"/>
+                <a:lumOff val="40000"/>
+              </a:schemeClr>
+            </a:solidFill>
+            <a:ln>
+              <a:solidFill>
+                <a:srgbClr val="09306B"/>
+              </a:solidFill>
+            </a:ln>
+          </p:spPr>
+          <p:txBody>
+            <a:bodyPr vert="horz"/>
+            <a:lstStyle>
+              <a:lvl1pPr marL="0" indent="0" algn="l" defTabSz="2037740" rtl="0" eaLnBrk="1" latinLnBrk="0" hangingPunct="1">
+                <a:spcBef>
+                  <a:spcPct val="20000"/>
+                </a:spcBef>
+                <a:buFont typeface="Arial" pitchFamily="34" charset="0"/>
+                <a:buNone/>
+                <a:defRPr sz="2400" b="1" kern="1200" baseline="0">
+                  <a:solidFill>
+                    <a:schemeClr val="bg1"/>
+                  </a:solidFill>
+                  <a:latin typeface="Arial"/>
+                  <a:ea typeface="+mn-ea"/>
+                  <a:cs typeface="Arial"/>
+                </a:defRPr>
+              </a:lvl1pPr>
+              <a:lvl2pPr marL="1655664" indent="-636794" algn="l" defTabSz="2037740" rtl="0" eaLnBrk="1" latinLnBrk="0" hangingPunct="1">
+                <a:spcBef>
+                  <a:spcPct val="20000"/>
+                </a:spcBef>
+                <a:buFont typeface="Arial" pitchFamily="34" charset="0"/>
+                <a:buChar char="–"/>
+                <a:defRPr sz="6200" kern="1200">
+                  <a:solidFill>
+                    <a:schemeClr val="tx1"/>
+                  </a:solidFill>
+                  <a:latin typeface="+mn-lt"/>
+                  <a:ea typeface="+mn-ea"/>
+                  <a:cs typeface="+mn-cs"/>
+                </a:defRPr>
+              </a:lvl2pPr>
+              <a:lvl3pPr marL="2547176" indent="-509435" algn="l" defTabSz="2037740" rtl="0" eaLnBrk="1" latinLnBrk="0" hangingPunct="1">
+                <a:spcBef>
+                  <a:spcPct val="20000"/>
+                </a:spcBef>
+                <a:buFont typeface="Arial" pitchFamily="34" charset="0"/>
+                <a:buChar char="•"/>
+                <a:defRPr sz="5300" kern="1200">
+                  <a:solidFill>
+                    <a:schemeClr val="tx1"/>
+                  </a:solidFill>
+                  <a:latin typeface="+mn-lt"/>
+                  <a:ea typeface="+mn-ea"/>
+                  <a:cs typeface="+mn-cs"/>
+                </a:defRPr>
+              </a:lvl3pPr>
+              <a:lvl4pPr marL="3566046" indent="-509435" algn="l" defTabSz="2037740" rtl="0" eaLnBrk="1" latinLnBrk="0" hangingPunct="1">
+                <a:spcBef>
+                  <a:spcPct val="20000"/>
+                </a:spcBef>
+                <a:buFont typeface="Arial" pitchFamily="34" charset="0"/>
+                <a:buChar char="–"/>
+                <a:defRPr sz="4500" kern="1200">
+                  <a:solidFill>
+                    <a:schemeClr val="tx1"/>
+                  </a:solidFill>
+                  <a:latin typeface="+mn-lt"/>
+                  <a:ea typeface="+mn-ea"/>
+                  <a:cs typeface="+mn-cs"/>
+                </a:defRPr>
+              </a:lvl4pPr>
+              <a:lvl5pPr marL="4584916" indent="-509435" algn="l" defTabSz="2037740" rtl="0" eaLnBrk="1" latinLnBrk="0" hangingPunct="1">
+                <a:spcBef>
+                  <a:spcPct val="20000"/>
+                </a:spcBef>
+                <a:buFont typeface="Arial" pitchFamily="34" charset="0"/>
+                <a:buChar char="»"/>
+                <a:defRPr sz="4500" kern="1200">
+                  <a:solidFill>
+                    <a:schemeClr val="tx1"/>
+                  </a:solidFill>
+                  <a:latin typeface="+mn-lt"/>
+                  <a:ea typeface="+mn-ea"/>
+                  <a:cs typeface="+mn-cs"/>
+                </a:defRPr>
+              </a:lvl5pPr>
+              <a:lvl6pPr marL="5603786" indent="-509435" algn="l" defTabSz="2037740" rtl="0" eaLnBrk="1" latinLnBrk="0" hangingPunct="1">
+                <a:spcBef>
+                  <a:spcPct val="20000"/>
+                </a:spcBef>
+                <a:buFont typeface="Arial" pitchFamily="34" charset="0"/>
+                <a:buChar char="•"/>
+                <a:defRPr sz="4500" kern="1200">
+                  <a:solidFill>
+                    <a:schemeClr val="tx1"/>
+                  </a:solidFill>
+                  <a:latin typeface="+mn-lt"/>
+                  <a:ea typeface="+mn-ea"/>
+                  <a:cs typeface="+mn-cs"/>
+                </a:defRPr>
+              </a:lvl6pPr>
+              <a:lvl7pPr marL="6622656" indent="-509435" algn="l" defTabSz="2037740" rtl="0" eaLnBrk="1" latinLnBrk="0" hangingPunct="1">
+                <a:spcBef>
+                  <a:spcPct val="20000"/>
+                </a:spcBef>
+                <a:buFont typeface="Arial" pitchFamily="34" charset="0"/>
+                <a:buChar char="•"/>
+                <a:defRPr sz="4500" kern="1200">
+                  <a:solidFill>
+                    <a:schemeClr val="tx1"/>
+                  </a:solidFill>
+                  <a:latin typeface="+mn-lt"/>
+                  <a:ea typeface="+mn-ea"/>
+                  <a:cs typeface="+mn-cs"/>
+                </a:defRPr>
+              </a:lvl7pPr>
+              <a:lvl8pPr marL="7641527" indent="-509435" algn="l" defTabSz="2037740" rtl="0" eaLnBrk="1" latinLnBrk="0" hangingPunct="1">
+                <a:spcBef>
+                  <a:spcPct val="20000"/>
+                </a:spcBef>
+                <a:buFont typeface="Arial" pitchFamily="34" charset="0"/>
+                <a:buChar char="•"/>
+                <a:defRPr sz="4500" kern="1200">
+                  <a:solidFill>
+                    <a:schemeClr val="tx1"/>
+                  </a:solidFill>
+                  <a:latin typeface="+mn-lt"/>
+                  <a:ea typeface="+mn-ea"/>
+                  <a:cs typeface="+mn-cs"/>
+                </a:defRPr>
+              </a:lvl8pPr>
+              <a:lvl9pPr marL="8660397" indent="-509435" algn="l" defTabSz="2037740" rtl="0" eaLnBrk="1" latinLnBrk="0" hangingPunct="1">
+                <a:spcBef>
+                  <a:spcPct val="20000"/>
+                </a:spcBef>
+                <a:buFont typeface="Arial" pitchFamily="34" charset="0"/>
+                <a:buChar char="•"/>
+                <a:defRPr sz="4500" kern="1200">
+                  <a:solidFill>
+                    <a:schemeClr val="tx1"/>
+                  </a:solidFill>
+                  <a:latin typeface="+mn-lt"/>
+                  <a:ea typeface="+mn-ea"/>
+                  <a:cs typeface="+mn-cs"/>
+                </a:defRPr>
+              </a:lvl9pPr>
+            </a:lstStyle>
+            <a:p>
+              <a:r>
+                <a:rPr lang="en-US" sz="2000" dirty="0"/>
+                <a:t>Paw Print Isolation</a:t>
+              </a:r>
+            </a:p>
+          </p:txBody>
+        </p:sp>
+      </p:grpSp>
+      <p:grpSp>
+        <p:nvGrpSpPr>
+          <p:cNvPr id="56" name="Group 55">
+            <a:extLst>
+              <a:ext uri="{FF2B5EF4-FFF2-40B4-BE49-F238E27FC236}">
+                <a16:creationId xmlns:a16="http://schemas.microsoft.com/office/drawing/2014/main" id="{9C12DC85-97D7-435F-9EE2-32B83EF9C359}"/>
+              </a:ext>
+            </a:extLst>
+          </p:cNvPr>
+          <p:cNvGrpSpPr/>
+          <p:nvPr/>
+        </p:nvGrpSpPr>
+        <p:grpSpPr>
+          <a:xfrm>
+            <a:off x="392348" y="15190531"/>
+            <a:ext cx="5715000" cy="963869"/>
+            <a:chOff x="6629400" y="2768058"/>
+            <a:chExt cx="5943600" cy="1364655"/>
+          </a:xfrm>
+        </p:grpSpPr>
+        <p:sp>
+          <p:nvSpPr>
+            <p:cNvPr id="57" name="Rectangle: Rounded Corners 56">
+              <a:extLst>
+                <a:ext uri="{FF2B5EF4-FFF2-40B4-BE49-F238E27FC236}">
+                  <a16:creationId xmlns:a16="http://schemas.microsoft.com/office/drawing/2014/main" id="{E37C7E0D-4158-4D70-BC3E-23E658732D3E}"/>
+                </a:ext>
+              </a:extLst>
+            </p:cNvPr>
+            <p:cNvSpPr/>
+            <p:nvPr/>
+          </p:nvSpPr>
+          <p:spPr>
+            <a:xfrm>
+              <a:off x="6629400" y="2780783"/>
+              <a:ext cx="5943600" cy="1351930"/>
+            </a:xfrm>
+            <a:prstGeom prst="roundRect">
+              <a:avLst/>
+            </a:prstGeom>
+            <a:solidFill>
+              <a:schemeClr val="accent1">
+                <a:lumMod val="20000"/>
+                <a:lumOff val="80000"/>
+              </a:schemeClr>
+            </a:solidFill>
+          </p:spPr>
+          <p:style>
+            <a:lnRef idx="2">
+              <a:schemeClr val="accent1">
+                <a:shade val="50000"/>
+              </a:schemeClr>
+            </a:lnRef>
+            <a:fillRef idx="1">
+              <a:schemeClr val="accent1"/>
+            </a:fillRef>
+            <a:effectRef idx="0">
+              <a:schemeClr val="accent1"/>
+            </a:effectRef>
+            <a:fontRef idx="minor">
+              <a:schemeClr val="lt1"/>
+            </a:fontRef>
+          </p:style>
+          <p:txBody>
+            <a:bodyPr rtlCol="0" anchor="t"/>
+            <a:lstStyle/>
+            <a:p>
+              <a:endParaRPr lang="en-US" sz="1600" dirty="0"/>
+            </a:p>
+            <a:p>
+              <a:r>
+                <a:rPr lang="en-US" sz="1600" b="1" dirty="0">
+                  <a:solidFill>
+                    <a:schemeClr val="tx1"/>
+                  </a:solidFill>
+                </a:rPr>
+                <a:t>Multi-scale template morphology using OpenCV</a:t>
+              </a:r>
+            </a:p>
+          </p:txBody>
+        </p:sp>
+        <p:sp>
+          <p:nvSpPr>
+            <p:cNvPr id="58" name="Text Placeholder 25">
+              <a:extLst>
+                <a:ext uri="{FF2B5EF4-FFF2-40B4-BE49-F238E27FC236}">
+                  <a16:creationId xmlns:a16="http://schemas.microsoft.com/office/drawing/2014/main" id="{E565D9DE-E56C-4CC1-8CD5-4A12AEB48F62}"/>
+                </a:ext>
+              </a:extLst>
+            </p:cNvPr>
+            <p:cNvSpPr txBox="1">
+              <a:spLocks/>
+            </p:cNvSpPr>
+            <p:nvPr/>
+          </p:nvSpPr>
+          <p:spPr>
+            <a:xfrm>
+              <a:off x="6629400" y="2768058"/>
+              <a:ext cx="5943600" cy="521700"/>
+            </a:xfrm>
+            <a:prstGeom prst="rect">
+              <a:avLst/>
+            </a:prstGeom>
+            <a:solidFill>
+              <a:schemeClr val="tx2">
+                <a:lumMod val="60000"/>
+                <a:lumOff val="40000"/>
+              </a:schemeClr>
+            </a:solidFill>
+            <a:ln>
+              <a:solidFill>
+                <a:srgbClr val="09306B"/>
+              </a:solidFill>
+            </a:ln>
+          </p:spPr>
+          <p:txBody>
+            <a:bodyPr vert="horz"/>
+            <a:lstStyle>
+              <a:lvl1pPr marL="0" indent="0" algn="l" defTabSz="2037740" rtl="0" eaLnBrk="1" latinLnBrk="0" hangingPunct="1">
+                <a:spcBef>
+                  <a:spcPct val="20000"/>
+                </a:spcBef>
+                <a:buFont typeface="Arial" pitchFamily="34" charset="0"/>
+                <a:buNone/>
+                <a:defRPr sz="2400" b="1" kern="1200" baseline="0">
+                  <a:solidFill>
+                    <a:schemeClr val="bg1"/>
+                  </a:solidFill>
+                  <a:latin typeface="Arial"/>
+                  <a:ea typeface="+mn-ea"/>
+                  <a:cs typeface="Arial"/>
+                </a:defRPr>
+              </a:lvl1pPr>
+              <a:lvl2pPr marL="1655664" indent="-636794" algn="l" defTabSz="2037740" rtl="0" eaLnBrk="1" latinLnBrk="0" hangingPunct="1">
+                <a:spcBef>
+                  <a:spcPct val="20000"/>
+                </a:spcBef>
+                <a:buFont typeface="Arial" pitchFamily="34" charset="0"/>
+                <a:buChar char="–"/>
+                <a:defRPr sz="6200" kern="1200">
+                  <a:solidFill>
+                    <a:schemeClr val="tx1"/>
+                  </a:solidFill>
+                  <a:latin typeface="+mn-lt"/>
+                  <a:ea typeface="+mn-ea"/>
+                  <a:cs typeface="+mn-cs"/>
+                </a:defRPr>
+              </a:lvl2pPr>
+              <a:lvl3pPr marL="2547176" indent="-509435" algn="l" defTabSz="2037740" rtl="0" eaLnBrk="1" latinLnBrk="0" hangingPunct="1">
+                <a:spcBef>
+                  <a:spcPct val="20000"/>
+                </a:spcBef>
+                <a:buFont typeface="Arial" pitchFamily="34" charset="0"/>
+                <a:buChar char="•"/>
+                <a:defRPr sz="5300" kern="1200">
+                  <a:solidFill>
+                    <a:schemeClr val="tx1"/>
+                  </a:solidFill>
+                  <a:latin typeface="+mn-lt"/>
+                  <a:ea typeface="+mn-ea"/>
+                  <a:cs typeface="+mn-cs"/>
+                </a:defRPr>
+              </a:lvl3pPr>
+              <a:lvl4pPr marL="3566046" indent="-509435" algn="l" defTabSz="2037740" rtl="0" eaLnBrk="1" latinLnBrk="0" hangingPunct="1">
+                <a:spcBef>
+                  <a:spcPct val="20000"/>
+                </a:spcBef>
+                <a:buFont typeface="Arial" pitchFamily="34" charset="0"/>
+                <a:buChar char="–"/>
+                <a:defRPr sz="4500" kern="1200">
+                  <a:solidFill>
+                    <a:schemeClr val="tx1"/>
+                  </a:solidFill>
+                  <a:latin typeface="+mn-lt"/>
+                  <a:ea typeface="+mn-ea"/>
+                  <a:cs typeface="+mn-cs"/>
+                </a:defRPr>
+              </a:lvl4pPr>
+              <a:lvl5pPr marL="4584916" indent="-509435" algn="l" defTabSz="2037740" rtl="0" eaLnBrk="1" latinLnBrk="0" hangingPunct="1">
+                <a:spcBef>
+                  <a:spcPct val="20000"/>
+                </a:spcBef>
+                <a:buFont typeface="Arial" pitchFamily="34" charset="0"/>
+                <a:buChar char="»"/>
+                <a:defRPr sz="4500" kern="1200">
+                  <a:solidFill>
+                    <a:schemeClr val="tx1"/>
+                  </a:solidFill>
+                  <a:latin typeface="+mn-lt"/>
+                  <a:ea typeface="+mn-ea"/>
+                  <a:cs typeface="+mn-cs"/>
+                </a:defRPr>
+              </a:lvl5pPr>
+              <a:lvl6pPr marL="5603786" indent="-509435" algn="l" defTabSz="2037740" rtl="0" eaLnBrk="1" latinLnBrk="0" hangingPunct="1">
+                <a:spcBef>
+                  <a:spcPct val="20000"/>
+                </a:spcBef>
+                <a:buFont typeface="Arial" pitchFamily="34" charset="0"/>
+                <a:buChar char="•"/>
+                <a:defRPr sz="4500" kern="1200">
+                  <a:solidFill>
+                    <a:schemeClr val="tx1"/>
+                  </a:solidFill>
+                  <a:latin typeface="+mn-lt"/>
+                  <a:ea typeface="+mn-ea"/>
+                  <a:cs typeface="+mn-cs"/>
+                </a:defRPr>
+              </a:lvl6pPr>
+              <a:lvl7pPr marL="6622656" indent="-509435" algn="l" defTabSz="2037740" rtl="0" eaLnBrk="1" latinLnBrk="0" hangingPunct="1">
+                <a:spcBef>
+                  <a:spcPct val="20000"/>
+                </a:spcBef>
+                <a:buFont typeface="Arial" pitchFamily="34" charset="0"/>
+                <a:buChar char="•"/>
+                <a:defRPr sz="4500" kern="1200">
+                  <a:solidFill>
+                    <a:schemeClr val="tx1"/>
+                  </a:solidFill>
+                  <a:latin typeface="+mn-lt"/>
+                  <a:ea typeface="+mn-ea"/>
+                  <a:cs typeface="+mn-cs"/>
+                </a:defRPr>
+              </a:lvl7pPr>
+              <a:lvl8pPr marL="7641527" indent="-509435" algn="l" defTabSz="2037740" rtl="0" eaLnBrk="1" latinLnBrk="0" hangingPunct="1">
+                <a:spcBef>
+                  <a:spcPct val="20000"/>
+                </a:spcBef>
+                <a:buFont typeface="Arial" pitchFamily="34" charset="0"/>
+                <a:buChar char="•"/>
+                <a:defRPr sz="4500" kern="1200">
+                  <a:solidFill>
+                    <a:schemeClr val="tx1"/>
+                  </a:solidFill>
+                  <a:latin typeface="+mn-lt"/>
+                  <a:ea typeface="+mn-ea"/>
+                  <a:cs typeface="+mn-cs"/>
+                </a:defRPr>
+              </a:lvl8pPr>
+              <a:lvl9pPr marL="8660397" indent="-509435" algn="l" defTabSz="2037740" rtl="0" eaLnBrk="1" latinLnBrk="0" hangingPunct="1">
+                <a:spcBef>
+                  <a:spcPct val="20000"/>
+                </a:spcBef>
+                <a:buFont typeface="Arial" pitchFamily="34" charset="0"/>
+                <a:buChar char="•"/>
+                <a:defRPr sz="4500" kern="1200">
+                  <a:solidFill>
+                    <a:schemeClr val="tx1"/>
+                  </a:solidFill>
+                  <a:latin typeface="+mn-lt"/>
+                  <a:ea typeface="+mn-ea"/>
+                  <a:cs typeface="+mn-cs"/>
+                </a:defRPr>
+              </a:lvl9pPr>
+            </a:lstStyle>
+            <a:p>
+              <a:r>
+                <a:rPr lang="en-US" sz="2000" dirty="0"/>
+                <a:t>Template Matching</a:t>
+              </a:r>
+            </a:p>
+          </p:txBody>
+        </p:sp>
+      </p:grpSp>
+      <p:pic>
+        <p:nvPicPr>
+          <p:cNvPr id="10" name="Picture 9">
+            <a:extLst>
+              <a:ext uri="{FF2B5EF4-FFF2-40B4-BE49-F238E27FC236}">
+                <a16:creationId xmlns:a16="http://schemas.microsoft.com/office/drawing/2014/main" id="{DF7A7653-E825-4813-BE22-790D2454D542}"/>
+              </a:ext>
+            </a:extLst>
+          </p:cNvPr>
+          <p:cNvPicPr>
+            <a:picLocks noChangeAspect="1"/>
+          </p:cNvPicPr>
+          <p:nvPr/>
+        </p:nvPicPr>
+        <p:blipFill>
+          <a:blip r:embed="rId3" cstate="print">
+            <a:extLst>
+              <a:ext uri="{28A0092B-C50C-407E-A947-70E740481C1C}">
+                <a14:useLocalDpi xmlns:a14="http://schemas.microsoft.com/office/drawing/2010/main" val="0"/>
+              </a:ext>
+            </a:extLst>
+          </a:blip>
+          <a:stretch>
+            <a:fillRect/>
+          </a:stretch>
+        </p:blipFill>
+        <p:spPr>
+          <a:xfrm>
+            <a:off x="542925" y="494610"/>
+            <a:ext cx="3019425" cy="1344962"/>
+          </a:xfrm>
+          <a:prstGeom prst="rect">
+            <a:avLst/>
+          </a:prstGeom>
+        </p:spPr>
+      </p:pic>
+      <p:pic>
+        <p:nvPicPr>
+          <p:cNvPr id="12" name="Picture 11">
+            <a:extLst>
+              <a:ext uri="{FF2B5EF4-FFF2-40B4-BE49-F238E27FC236}">
+                <a16:creationId xmlns:a16="http://schemas.microsoft.com/office/drawing/2014/main" id="{2F61D343-D407-4148-8AC2-FBE07F39B776}"/>
+              </a:ext>
+            </a:extLst>
+          </p:cNvPr>
+          <p:cNvPicPr>
+            <a:picLocks noChangeAspect="1"/>
+          </p:cNvPicPr>
+          <p:nvPr/>
+        </p:nvPicPr>
+        <p:blipFill>
+          <a:blip r:embed="rId4" cstate="print">
+            <a:extLst>
+              <a:ext uri="{28A0092B-C50C-407E-A947-70E740481C1C}">
+                <a14:useLocalDpi xmlns:a14="http://schemas.microsoft.com/office/drawing/2010/main" val="0"/>
+              </a:ext>
+            </a:extLst>
+          </a:blip>
+          <a:stretch>
+            <a:fillRect/>
+          </a:stretch>
+        </p:blipFill>
+        <p:spPr>
+          <a:xfrm>
+            <a:off x="467077" y="5119147"/>
+            <a:ext cx="2782771" cy="2394657"/>
+          </a:xfrm>
+          <a:prstGeom prst="rect">
+            <a:avLst/>
+          </a:prstGeom>
+        </p:spPr>
+      </p:pic>
+      <p:pic>
+        <p:nvPicPr>
+          <p:cNvPr id="14" name="Picture 13">
+            <a:extLst>
+              <a:ext uri="{FF2B5EF4-FFF2-40B4-BE49-F238E27FC236}">
+                <a16:creationId xmlns:a16="http://schemas.microsoft.com/office/drawing/2014/main" id="{7A273630-3516-42D1-A1DD-41CE84A55573}"/>
+              </a:ext>
+            </a:extLst>
+          </p:cNvPr>
+          <p:cNvPicPr>
+            <a:picLocks noChangeAspect="1"/>
+          </p:cNvPicPr>
+          <p:nvPr/>
+        </p:nvPicPr>
+        <p:blipFill rotWithShape="1">
+          <a:blip r:embed="rId5">
+            <a:extLst>
+              <a:ext uri="{28A0092B-C50C-407E-A947-70E740481C1C}">
+                <a14:useLocalDpi xmlns:a14="http://schemas.microsoft.com/office/drawing/2010/main" val="0"/>
+              </a:ext>
+            </a:extLst>
+          </a:blip>
+          <a:srcRect r="12438" b="25554"/>
+          <a:stretch/>
+        </p:blipFill>
+        <p:spPr>
+          <a:xfrm>
+            <a:off x="3297474" y="5119147"/>
+            <a:ext cx="2816568" cy="2394657"/>
+          </a:xfrm>
+          <a:prstGeom prst="rect">
+            <a:avLst/>
+          </a:prstGeom>
+        </p:spPr>
+      </p:pic>
+      <p:sp>
+        <p:nvSpPr>
+          <p:cNvPr id="15" name="TextBox 14">
+            <a:extLst>
+              <a:ext uri="{FF2B5EF4-FFF2-40B4-BE49-F238E27FC236}">
+                <a16:creationId xmlns:a16="http://schemas.microsoft.com/office/drawing/2014/main" id="{44087879-0368-4581-B9C2-4EECC9B422EC}"/>
+              </a:ext>
+            </a:extLst>
+          </p:cNvPr>
+          <p:cNvSpPr txBox="1"/>
+          <p:nvPr/>
+        </p:nvSpPr>
+        <p:spPr>
+          <a:xfrm>
+            <a:off x="419100" y="7513804"/>
+            <a:ext cx="5753099" cy="600164"/>
+          </a:xfrm>
+          <a:prstGeom prst="rect">
+            <a:avLst/>
+          </a:prstGeom>
+          <a:noFill/>
+        </p:spPr>
+        <p:txBody>
+          <a:bodyPr wrap="square" rtlCol="0">
+            <a:spAutoFit/>
+          </a:bodyPr>
+          <a:lstStyle/>
+          <a:p>
+            <a:r>
+              <a:rPr lang="en-US" sz="1100" dirty="0"/>
+              <a:t>                              (a)		(b)</a:t>
+            </a:r>
+          </a:p>
+          <a:p>
+            <a:r>
+              <a:rPr lang="en-US" sz="1100" b="1" dirty="0"/>
+              <a:t>Figure 1: </a:t>
+            </a:r>
+            <a:r>
+              <a:rPr lang="en-US" sz="1100" dirty="0"/>
+              <a:t>(a) depicts a raw footprint image belonging to a female puma; (b) depicts the same image with landmarks manually added to be used for classification.</a:t>
+            </a:r>
+            <a:endParaRPr lang="en-US" sz="1100" b="1" dirty="0"/>
+          </a:p>
+        </p:txBody>
+      </p:sp>
+      <p:pic>
+        <p:nvPicPr>
+          <p:cNvPr id="59" name="Picture 58">
+            <a:extLst>
+              <a:ext uri="{FF2B5EF4-FFF2-40B4-BE49-F238E27FC236}">
+                <a16:creationId xmlns:a16="http://schemas.microsoft.com/office/drawing/2014/main" id="{7F4F1E62-2087-4DDF-959F-17891E2CD9E5}"/>
+              </a:ext>
+            </a:extLst>
+          </p:cNvPr>
+          <p:cNvPicPr>
+            <a:picLocks noChangeAspect="1"/>
+          </p:cNvPicPr>
+          <p:nvPr/>
+        </p:nvPicPr>
+        <p:blipFill>
+          <a:blip r:embed="rId6" cstate="print">
+            <a:extLst>
+              <a:ext uri="{28A0092B-C50C-407E-A947-70E740481C1C}">
+                <a14:useLocalDpi xmlns:a14="http://schemas.microsoft.com/office/drawing/2010/main" val="0"/>
+              </a:ext>
+            </a:extLst>
+          </a:blip>
+          <a:stretch>
+            <a:fillRect/>
+          </a:stretch>
+        </p:blipFill>
+        <p:spPr>
+          <a:xfrm>
+            <a:off x="16154400" y="445094"/>
+            <a:ext cx="1534461" cy="1534461"/>
+          </a:xfrm>
+          <a:prstGeom prst="rect">
+            <a:avLst/>
+          </a:prstGeom>
+        </p:spPr>
+      </p:pic>
+      <p:pic>
+        <p:nvPicPr>
+          <p:cNvPr id="61" name="Picture 60">
+            <a:extLst>
+              <a:ext uri="{FF2B5EF4-FFF2-40B4-BE49-F238E27FC236}">
+                <a16:creationId xmlns:a16="http://schemas.microsoft.com/office/drawing/2014/main" id="{8ED9236B-4D99-4FEF-945E-1CBCC721B8CE}"/>
+              </a:ext>
+            </a:extLst>
+          </p:cNvPr>
+          <p:cNvPicPr>
+            <a:picLocks noChangeAspect="1"/>
+          </p:cNvPicPr>
+          <p:nvPr/>
+        </p:nvPicPr>
+        <p:blipFill rotWithShape="1">
+          <a:blip r:embed="rId7">
+            <a:extLst>
+              <a:ext uri="{BEBA8EAE-BF5A-486C-A8C5-ECC9F3942E4B}">
+                <a14:imgProps xmlns:a14="http://schemas.microsoft.com/office/drawing/2010/main">
+                  <a14:imgLayer r:embed="rId8">
+                    <a14:imgEffect>
+                      <a14:backgroundRemoval t="4600" b="90000" l="6333" r="97167">
+                        <a14:foregroundMark x1="6500" y1="9800" x2="7250" y2="20800"/>
+                        <a14:foregroundMark x1="7250" y1="20800" x2="5500" y2="9600"/>
+                        <a14:foregroundMark x1="5500" y1="9600" x2="10667" y2="8000"/>
+                        <a14:foregroundMark x1="10667" y1="8000" x2="15417" y2="8200"/>
+                        <a14:foregroundMark x1="15417" y1="8200" x2="39000" y2="6400"/>
+                        <a14:foregroundMark x1="39000" y1="6400" x2="44000" y2="6400"/>
+                        <a14:foregroundMark x1="6000" y1="7600" x2="7917" y2="41600"/>
+                        <a14:foregroundMark x1="7917" y1="41600" x2="6417" y2="83600"/>
+                        <a14:foregroundMark x1="54583" y1="7400" x2="71333" y2="9600"/>
+                        <a14:foregroundMark x1="71333" y1="9600" x2="85583" y2="7800"/>
+                        <a14:foregroundMark x1="85583" y1="7800" x2="91917" y2="7800"/>
+                        <a14:foregroundMark x1="91917" y1="7800" x2="91500" y2="22200"/>
+                        <a14:foregroundMark x1="91500" y1="22200" x2="89583" y2="34400"/>
+                        <a14:foregroundMark x1="89583" y1="34400" x2="67667" y2="42000"/>
+                        <a14:foregroundMark x1="67667" y1="42000" x2="64000" y2="49800"/>
+                        <a14:foregroundMark x1="64000" y1="49800" x2="69500" y2="73800"/>
+                        <a14:foregroundMark x1="69500" y1="73800" x2="74250" y2="78200"/>
+                        <a14:foregroundMark x1="74250" y1="78200" x2="84750" y2="74600"/>
+                        <a14:foregroundMark x1="84750" y1="74600" x2="89333" y2="75600"/>
+                        <a14:foregroundMark x1="89333" y1="75600" x2="83500" y2="84000"/>
+                        <a14:foregroundMark x1="83500" y1="84000" x2="70333" y2="84200"/>
+                        <a14:foregroundMark x1="54333" y1="5200" x2="57417" y2="74600"/>
+                        <a14:foregroundMark x1="57417" y1="74600" x2="61917" y2="83400"/>
+                        <a14:foregroundMark x1="61917" y1="83400" x2="72250" y2="86200"/>
+                        <a14:foregroundMark x1="72250" y1="86200" x2="85750" y2="80200"/>
+                        <a14:foregroundMark x1="85750" y1="80200" x2="90833" y2="80800"/>
+                        <a14:foregroundMark x1="90833" y1="80800" x2="94000" y2="73000"/>
+                        <a14:foregroundMark x1="94000" y1="73000" x2="94250" y2="24600"/>
+                        <a14:foregroundMark x1="94250" y1="24600" x2="92833" y2="13800"/>
+                        <a14:foregroundMark x1="92833" y1="13800" x2="88500" y2="7200"/>
+                        <a14:foregroundMark x1="88500" y1="7200" x2="82833" y2="4600"/>
+                        <a14:foregroundMark x1="82833" y1="4600" x2="56000" y2="8200"/>
+                        <a14:foregroundMark x1="96500" y1="7000" x2="97167" y2="85800"/>
+                        <a14:foregroundMark x1="11083" y1="21400" x2="45500" y2="52000"/>
+                        <a14:foregroundMark x1="46333" y1="11000" x2="46333" y2="61800"/>
+                        <a14:foregroundMark x1="46333" y1="61800" x2="44750" y2="84200"/>
+                        <a14:foregroundMark x1="44750" y1="84200" x2="40417" y2="87800"/>
+                        <a14:foregroundMark x1="40417" y1="87800" x2="6333" y2="85400"/>
+                        <a14:foregroundMark x1="10000" y1="15400" x2="18750" y2="41000"/>
+                        <a14:foregroundMark x1="18750" y1="41000" x2="22167" y2="63400"/>
+                        <a14:foregroundMark x1="22167" y1="63400" x2="30000" y2="75600"/>
+                        <a14:foregroundMark x1="30000" y1="75600" x2="35333" y2="76200"/>
+                        <a14:foregroundMark x1="35333" y1="76200" x2="38083" y2="64200"/>
+                        <a14:foregroundMark x1="38083" y1="64200" x2="39417" y2="36400"/>
+                        <a14:foregroundMark x1="39417" y1="36400" x2="37667" y2="26200"/>
+                        <a14:foregroundMark x1="37667" y1="26200" x2="31417" y2="22600"/>
+                        <a14:foregroundMark x1="31417" y1="22600" x2="18833" y2="30600"/>
+                        <a14:foregroundMark x1="18833" y1="30600" x2="15167" y2="40600"/>
+                        <a14:foregroundMark x1="15167" y1="40600" x2="13333" y2="53600"/>
+                        <a14:foregroundMark x1="13333" y1="53600" x2="13750" y2="67000"/>
+                        <a14:foregroundMark x1="13750" y1="67000" x2="16667" y2="76400"/>
+                        <a14:foregroundMark x1="16667" y1="76400" x2="21250" y2="80800"/>
+                        <a14:foregroundMark x1="21250" y1="80800" x2="23500" y2="79000"/>
+                        <a14:foregroundMark x1="20667" y1="37200" x2="27833" y2="64800"/>
+                        <a14:foregroundMark x1="27833" y1="64800" x2="33000" y2="58200"/>
+                        <a14:foregroundMark x1="33000" y1="58200" x2="33833" y2="45200"/>
+                        <a14:foregroundMark x1="33833" y1="45200" x2="31250" y2="34000"/>
+                        <a14:foregroundMark x1="31250" y1="34000" x2="25250" y2="31200"/>
+                        <a14:foregroundMark x1="25250" y1="31200" x2="23667" y2="43000"/>
+                        <a14:foregroundMark x1="23667" y1="43000" x2="26833" y2="59000"/>
+                        <a14:foregroundMark x1="26833" y1="59000" x2="31167" y2="68800"/>
+                        <a14:foregroundMark x1="31167" y1="68800" x2="35667" y2="65800"/>
+                        <a14:foregroundMark x1="35667" y1="65800" x2="35333" y2="55000"/>
+                        <a14:foregroundMark x1="35333" y1="55000" x2="30917" y2="43600"/>
+                        <a14:foregroundMark x1="30917" y1="43600" x2="20250" y2="32000"/>
+                        <a14:foregroundMark x1="20250" y1="32000" x2="16333" y2="44200"/>
+                        <a14:foregroundMark x1="16333" y1="44200" x2="19333" y2="64000"/>
+                        <a14:foregroundMark x1="19333" y1="64000" x2="23833" y2="72000"/>
+                        <a14:foregroundMark x1="23833" y1="72000" x2="29417" y2="71000"/>
+                        <a14:foregroundMark x1="29417" y1="71000" x2="35500" y2="62200"/>
+                        <a14:foregroundMark x1="35500" y1="62200" x2="42083" y2="26000"/>
+                        <a14:foregroundMark x1="42083" y1="26000" x2="42083" y2="26000"/>
+                        <a14:foregroundMark x1="42417" y1="14400" x2="37917" y2="22200"/>
+                        <a14:foregroundMark x1="37917" y1="22200" x2="41167" y2="32000"/>
+                        <a14:foregroundMark x1="41167" y1="32000" x2="44083" y2="20200"/>
+                        <a14:foregroundMark x1="44083" y1="20200" x2="40833" y2="11400"/>
+                        <a14:foregroundMark x1="40833" y1="11400" x2="44833" y2="19200"/>
+                        <a14:foregroundMark x1="44833" y1="19200" x2="40917" y2="12000"/>
+                        <a14:foregroundMark x1="40917" y1="12000" x2="36750" y2="16400"/>
+                        <a14:foregroundMark x1="36750" y1="16400" x2="38250" y2="20000"/>
+                        <a14:foregroundMark x1="46750" y1="69800" x2="47083" y2="85600"/>
+                      </a14:backgroundRemoval>
+                    </a14:imgEffect>
+                  </a14:imgLayer>
+                </a14:imgProps>
+              </a:ext>
+              <a:ext uri="{28A0092B-C50C-407E-A947-70E740481C1C}">
+                <a14:useLocalDpi xmlns:a14="http://schemas.microsoft.com/office/drawing/2010/main" val="0"/>
+              </a:ext>
+            </a:extLst>
+          </a:blip>
+          <a:srcRect b="8292"/>
+          <a:stretch/>
+        </p:blipFill>
+        <p:spPr>
+          <a:xfrm>
+            <a:off x="6743700" y="3817941"/>
+            <a:ext cx="5562876" cy="2125659"/>
+          </a:xfrm>
+          <a:prstGeom prst="rect">
+            <a:avLst/>
+          </a:prstGeom>
+        </p:spPr>
+      </p:pic>
+      <p:sp>
+        <p:nvSpPr>
+          <p:cNvPr id="62" name="TextBox 61">
+            <a:extLst>
+              <a:ext uri="{FF2B5EF4-FFF2-40B4-BE49-F238E27FC236}">
+                <a16:creationId xmlns:a16="http://schemas.microsoft.com/office/drawing/2014/main" id="{A0F82928-B8B7-4DFB-A880-9A6E64B8574C}"/>
+              </a:ext>
+            </a:extLst>
+          </p:cNvPr>
+          <p:cNvSpPr txBox="1"/>
+          <p:nvPr/>
+        </p:nvSpPr>
+        <p:spPr>
+          <a:xfrm>
+            <a:off x="6934201" y="5846131"/>
+            <a:ext cx="5753099" cy="584775"/>
+          </a:xfrm>
+          <a:prstGeom prst="rect">
+            <a:avLst/>
+          </a:prstGeom>
+          <a:noFill/>
+        </p:spPr>
+        <p:txBody>
+          <a:bodyPr wrap="square" rtlCol="0">
+            <a:spAutoFit/>
+          </a:bodyPr>
+          <a:lstStyle/>
+          <a:p>
+            <a:r>
+              <a:rPr lang="en-US" sz="1100" dirty="0"/>
+              <a:t>                              (a)		(b)</a:t>
+            </a:r>
+          </a:p>
+          <a:p>
+            <a:r>
+              <a:rPr lang="en-US" sz="1050" b="1" dirty="0"/>
+              <a:t>Figure 2: </a:t>
+            </a:r>
+            <a:r>
+              <a:rPr lang="en-US" sz="1050" dirty="0"/>
+              <a:t>(a) depicts a raw footprint image belonging to a male puma; (b) depicts the same image             after being smoothed through bilateral filtering and scanned with a simple edge filter.</a:t>
+            </a:r>
+            <a:endParaRPr lang="en-US" sz="1050" b="1" dirty="0"/>
+          </a:p>
+        </p:txBody>
+      </p:sp>
+      <p:pic>
+        <p:nvPicPr>
+          <p:cNvPr id="64" name="Picture 63">
+            <a:extLst>
+              <a:ext uri="{FF2B5EF4-FFF2-40B4-BE49-F238E27FC236}">
+                <a16:creationId xmlns:a16="http://schemas.microsoft.com/office/drawing/2014/main" id="{C26AAC78-665F-4618-B551-3C206B9ED9DA}"/>
+              </a:ext>
+            </a:extLst>
+          </p:cNvPr>
+          <p:cNvPicPr>
+            <a:picLocks noChangeAspect="1"/>
+          </p:cNvPicPr>
+          <p:nvPr/>
+        </p:nvPicPr>
+        <p:blipFill>
+          <a:blip r:embed="rId9" cstate="print">
+            <a:extLst>
+              <a:ext uri="{28A0092B-C50C-407E-A947-70E740481C1C}">
+                <a14:useLocalDpi xmlns:a14="http://schemas.microsoft.com/office/drawing/2010/main" val="0"/>
+              </a:ext>
+            </a:extLst>
+          </a:blip>
+          <a:stretch>
+            <a:fillRect/>
+          </a:stretch>
+        </p:blipFill>
+        <p:spPr>
+          <a:xfrm>
+            <a:off x="7584956" y="11662931"/>
+            <a:ext cx="1585355" cy="1364246"/>
+          </a:xfrm>
+          <a:prstGeom prst="rect">
+            <a:avLst/>
+          </a:prstGeom>
+          <a:ln>
+            <a:solidFill>
+              <a:schemeClr val="tx1"/>
+            </a:solidFill>
+          </a:ln>
+        </p:spPr>
+      </p:pic>
+      <p:pic>
+        <p:nvPicPr>
+          <p:cNvPr id="66" name="Picture 65">
+            <a:extLst>
+              <a:ext uri="{FF2B5EF4-FFF2-40B4-BE49-F238E27FC236}">
+                <a16:creationId xmlns:a16="http://schemas.microsoft.com/office/drawing/2014/main" id="{985CA4B6-1E77-418F-9FAC-F064C3E65D22}"/>
+              </a:ext>
+            </a:extLst>
+          </p:cNvPr>
+          <p:cNvPicPr>
+            <a:picLocks noChangeAspect="1"/>
+          </p:cNvPicPr>
+          <p:nvPr/>
+        </p:nvPicPr>
+        <p:blipFill>
+          <a:blip r:embed="rId10" cstate="print">
+            <a:extLst>
+              <a:ext uri="{28A0092B-C50C-407E-A947-70E740481C1C}">
+                <a14:useLocalDpi xmlns:a14="http://schemas.microsoft.com/office/drawing/2010/main" val="0"/>
+              </a:ext>
+            </a:extLst>
+          </a:blip>
+          <a:stretch>
+            <a:fillRect/>
+          </a:stretch>
+        </p:blipFill>
+        <p:spPr>
+          <a:xfrm>
+            <a:off x="9622233" y="11649129"/>
+            <a:ext cx="1585354" cy="1364244"/>
+          </a:xfrm>
+          <a:prstGeom prst="rect">
+            <a:avLst/>
+          </a:prstGeom>
+          <a:ln>
+            <a:solidFill>
+              <a:schemeClr val="tx1"/>
+            </a:solidFill>
+          </a:ln>
+        </p:spPr>
+      </p:pic>
+      <p:pic>
+        <p:nvPicPr>
+          <p:cNvPr id="68" name="Picture 67">
+            <a:extLst>
+              <a:ext uri="{FF2B5EF4-FFF2-40B4-BE49-F238E27FC236}">
+                <a16:creationId xmlns:a16="http://schemas.microsoft.com/office/drawing/2014/main" id="{0906691E-8922-4173-9DD3-C2F0FBFEB456}"/>
+              </a:ext>
+            </a:extLst>
+          </p:cNvPr>
+          <p:cNvPicPr>
+            <a:picLocks noChangeAspect="1"/>
+          </p:cNvPicPr>
+          <p:nvPr/>
+        </p:nvPicPr>
+        <p:blipFill>
+          <a:blip r:embed="rId11" cstate="print">
+            <a:extLst>
+              <a:ext uri="{28A0092B-C50C-407E-A947-70E740481C1C}">
+                <a14:useLocalDpi xmlns:a14="http://schemas.microsoft.com/office/drawing/2010/main" val="0"/>
+              </a:ext>
+            </a:extLst>
+          </a:blip>
+          <a:stretch>
+            <a:fillRect/>
+          </a:stretch>
+        </p:blipFill>
+        <p:spPr>
+          <a:xfrm>
+            <a:off x="7581282" y="13192890"/>
+            <a:ext cx="3633434" cy="2275710"/>
+          </a:xfrm>
+          <a:prstGeom prst="rect">
+            <a:avLst/>
+          </a:prstGeom>
+          <a:ln>
+            <a:solidFill>
+              <a:schemeClr val="tx1"/>
+            </a:solidFill>
+          </a:ln>
+        </p:spPr>
+      </p:pic>
+      <p:cxnSp>
+        <p:nvCxnSpPr>
+          <p:cNvPr id="72" name="Straight Arrow Connector 71">
+            <a:extLst>
+              <a:ext uri="{FF2B5EF4-FFF2-40B4-BE49-F238E27FC236}">
+                <a16:creationId xmlns:a16="http://schemas.microsoft.com/office/drawing/2014/main" id="{F623EE2C-6562-4C42-B53E-FB96375236D3}"/>
+              </a:ext>
+            </a:extLst>
+          </p:cNvPr>
+          <p:cNvCxnSpPr>
+            <a:cxnSpLocks/>
+          </p:cNvCxnSpPr>
+          <p:nvPr/>
+        </p:nvCxnSpPr>
+        <p:spPr>
+          <a:xfrm>
+            <a:off x="9263944" y="12352995"/>
+            <a:ext cx="337256" cy="0"/>
+          </a:xfrm>
+          <a:prstGeom prst="straightConnector1">
+            <a:avLst/>
+          </a:prstGeom>
+          <a:ln>
+            <a:tailEnd type="triangle"/>
+          </a:ln>
+        </p:spPr>
+        <p:style>
+          <a:lnRef idx="1">
+            <a:schemeClr val="accent1"/>
+          </a:lnRef>
+          <a:fillRef idx="0">
+            <a:schemeClr val="accent1"/>
+          </a:fillRef>
+          <a:effectRef idx="0">
+            <a:schemeClr val="accent1"/>
+          </a:effectRef>
+          <a:fontRef idx="minor">
+            <a:schemeClr val="tx1"/>
+          </a:fontRef>
+        </p:style>
+      </p:cxnSp>
+      <p:sp>
+        <p:nvSpPr>
+          <p:cNvPr id="74" name="TextBox 73">
+            <a:extLst>
+              <a:ext uri="{FF2B5EF4-FFF2-40B4-BE49-F238E27FC236}">
+                <a16:creationId xmlns:a16="http://schemas.microsoft.com/office/drawing/2014/main" id="{7EA52433-E6B5-4A94-9914-51E9245902BD}"/>
+              </a:ext>
+            </a:extLst>
+          </p:cNvPr>
+          <p:cNvSpPr txBox="1"/>
+          <p:nvPr/>
+        </p:nvSpPr>
+        <p:spPr>
+          <a:xfrm>
+            <a:off x="7543182" y="15429639"/>
+            <a:ext cx="3664406" cy="577081"/>
+          </a:xfrm>
+          <a:prstGeom prst="rect">
+            <a:avLst/>
+          </a:prstGeom>
+          <a:noFill/>
+        </p:spPr>
+        <p:txBody>
+          <a:bodyPr wrap="square" rtlCol="0">
+            <a:spAutoFit/>
+          </a:bodyPr>
+          <a:lstStyle/>
+          <a:p>
+            <a:r>
+              <a:rPr lang="en-US" sz="1050" b="1" dirty="0"/>
+              <a:t>Figure 4: </a:t>
+            </a:r>
+            <a:r>
+              <a:rPr lang="en-US" sz="1050" dirty="0"/>
+              <a:t>The top right image represents a mask generated by hand from the training sample in the top left. The bottom image displays predictions for inside/outside, with red indicating inside.</a:t>
+            </a:r>
+            <a:endParaRPr lang="en-US" sz="1050" b="1" dirty="0"/>
+          </a:p>
+        </p:txBody>
+      </p:sp>
+      <p:pic>
+        <p:nvPicPr>
+          <p:cNvPr id="76" name="Picture 75">
+            <a:extLst>
+              <a:ext uri="{FF2B5EF4-FFF2-40B4-BE49-F238E27FC236}">
+                <a16:creationId xmlns:a16="http://schemas.microsoft.com/office/drawing/2014/main" id="{48504616-6A3B-4FB4-BBE9-A0B6559A98AE}"/>
+              </a:ext>
+            </a:extLst>
+          </p:cNvPr>
+          <p:cNvPicPr>
+            <a:picLocks noChangeAspect="1"/>
+          </p:cNvPicPr>
+          <p:nvPr/>
+        </p:nvPicPr>
+        <p:blipFill rotWithShape="1">
+          <a:blip r:embed="rId12">
+            <a:extLst>
+              <a:ext uri="{28A0092B-C50C-407E-A947-70E740481C1C}">
+                <a14:useLocalDpi xmlns:a14="http://schemas.microsoft.com/office/drawing/2010/main" val="0"/>
+              </a:ext>
+            </a:extLst>
+          </a:blip>
+          <a:srcRect l="10415" t="22118" r="9002" b="24029"/>
+          <a:stretch/>
+        </p:blipFill>
+        <p:spPr>
+          <a:xfrm>
+            <a:off x="13182600" y="6102512"/>
+            <a:ext cx="5174930" cy="2593798"/>
+          </a:xfrm>
+          <a:prstGeom prst="rect">
+            <a:avLst/>
+          </a:prstGeom>
+        </p:spPr>
+      </p:pic>
+      <p:sp>
+        <p:nvSpPr>
+          <p:cNvPr id="77" name="TextBox 76">
+            <a:extLst>
+              <a:ext uri="{FF2B5EF4-FFF2-40B4-BE49-F238E27FC236}">
+                <a16:creationId xmlns:a16="http://schemas.microsoft.com/office/drawing/2014/main" id="{C20E00E8-7795-4840-9F18-2EAE03DA40E4}"/>
+              </a:ext>
+            </a:extLst>
+          </p:cNvPr>
+          <p:cNvSpPr txBox="1"/>
+          <p:nvPr/>
+        </p:nvSpPr>
+        <p:spPr>
+          <a:xfrm>
+            <a:off x="13182601" y="8411448"/>
+            <a:ext cx="5174930" cy="600164"/>
+          </a:xfrm>
+          <a:prstGeom prst="rect">
+            <a:avLst/>
+          </a:prstGeom>
+          <a:noFill/>
+        </p:spPr>
+        <p:txBody>
+          <a:bodyPr wrap="square" rtlCol="0">
+            <a:spAutoFit/>
+          </a:bodyPr>
+          <a:lstStyle/>
+          <a:p>
+            <a:r>
+              <a:rPr lang="en-US" sz="1100" dirty="0"/>
+              <a:t>                              (a)		(b)</a:t>
+            </a:r>
+          </a:p>
+          <a:p>
+            <a:r>
+              <a:rPr lang="en-US" sz="1100" b="1" dirty="0"/>
+              <a:t>Figure 5: </a:t>
+            </a:r>
+            <a:r>
+              <a:rPr lang="en-US" sz="1100" dirty="0"/>
+              <a:t>(a) displays the correlation of a template image with a footprint. The highest correlation value and the template image size is used to draw the bounding box in (b).</a:t>
+            </a:r>
+            <a:endParaRPr lang="en-US" sz="1100" b="1" dirty="0"/>
+          </a:p>
+        </p:txBody>
       </p:sp>
     </p:spTree>
   </p:cSld>
@@ -2320,6 +5957,301 @@
 </file>
 
 <file path=ppt/theme/theme2.xml><?xml version="1.0" encoding="utf-8"?>
+<a:theme xmlns:a="http://schemas.openxmlformats.org/drawingml/2006/main" name="Office Theme">
+  <a:themeElements>
+    <a:clrScheme name="Office">
+      <a:dk1>
+        <a:sysClr val="windowText" lastClr="000000"/>
+      </a:dk1>
+      <a:lt1>
+        <a:sysClr val="window" lastClr="FFFFFF"/>
+      </a:lt1>
+      <a:dk2>
+        <a:srgbClr val="44546A"/>
+      </a:dk2>
+      <a:lt2>
+        <a:srgbClr val="E7E6E6"/>
+      </a:lt2>
+      <a:accent1>
+        <a:srgbClr val="4472C4"/>
+      </a:accent1>
+      <a:accent2>
+        <a:srgbClr val="ED7D31"/>
+      </a:accent2>
+      <a:accent3>
+        <a:srgbClr val="A5A5A5"/>
+      </a:accent3>
+      <a:accent4>
+        <a:srgbClr val="FFC000"/>
+      </a:accent4>
+      <a:accent5>
+        <a:srgbClr val="5B9BD5"/>
+      </a:accent5>
+      <a:accent6>
+        <a:srgbClr val="70AD47"/>
+      </a:accent6>
+      <a:hlink>
+        <a:srgbClr val="0563C1"/>
+      </a:hlink>
+      <a:folHlink>
+        <a:srgbClr val="954F72"/>
+      </a:folHlink>
+    </a:clrScheme>
+    <a:fontScheme name="Office">
+      <a:majorFont>
+        <a:latin typeface="Calibri Light" panose="020F0302020204030204"/>
+        <a:ea typeface=""/>
+        <a:cs typeface=""/>
+        <a:font script="Jpan" typeface="游ゴシック Light"/>
+        <a:font script="Hang" typeface="맑은 고딕"/>
+        <a:font script="Hans" typeface="等线 Light"/>
+        <a:font script="Hant" typeface="新細明體"/>
+        <a:font script="Arab" typeface="Times New Roman"/>
+        <a:font script="Hebr" typeface="Times New Roman"/>
+        <a:font script="Thai" typeface="Angsana New"/>
+        <a:font script="Ethi" typeface="Nyala"/>
+        <a:font script="Beng" typeface="Vrinda"/>
+        <a:font script="Gujr" typeface="Shruti"/>
+        <a:font script="Khmr" typeface="MoolBoran"/>
+        <a:font script="Knda" typeface="Tunga"/>
+        <a:font script="Guru" typeface="Raavi"/>
+        <a:font script="Cans" typeface="Euphemia"/>
+        <a:font script="Cher" typeface="Plantagenet Cherokee"/>
+        <a:font script="Yiii" typeface="Microsoft Yi Baiti"/>
+        <a:font script="Tibt" typeface="Microsoft Himalaya"/>
+        <a:font script="Thaa" typeface="MV Boli"/>
+        <a:font script="Deva" typeface="Mangal"/>
+        <a:font script="Telu" typeface="Gautami"/>
+        <a:font script="Taml" typeface="Latha"/>
+        <a:font script="Syrc" typeface="Estrangelo Edessa"/>
+        <a:font script="Orya" typeface="Kalinga"/>
+        <a:font script="Mlym" typeface="Kartika"/>
+        <a:font script="Laoo" typeface="DokChampa"/>
+        <a:font script="Sinh" typeface="Iskoola Pota"/>
+        <a:font script="Mong" typeface="Mongolian Baiti"/>
+        <a:font script="Viet" typeface="Times New Roman"/>
+        <a:font script="Uigh" typeface="Microsoft Uighur"/>
+        <a:font script="Geor" typeface="Sylfaen"/>
+        <a:font script="Armn" typeface="Arial"/>
+        <a:font script="Bugi" typeface="Leelawadee UI"/>
+        <a:font script="Bopo" typeface="Microsoft JhengHei"/>
+        <a:font script="Java" typeface="Javanese Text"/>
+        <a:font script="Lisu" typeface="Segoe UI"/>
+        <a:font script="Mymr" typeface="Myanmar Text"/>
+        <a:font script="Nkoo" typeface="Ebrima"/>
+        <a:font script="Olck" typeface="Nirmala UI"/>
+        <a:font script="Osma" typeface="Ebrima"/>
+        <a:font script="Phag" typeface="Phagspa"/>
+        <a:font script="Syrn" typeface="Estrangelo Edessa"/>
+        <a:font script="Syrj" typeface="Estrangelo Edessa"/>
+        <a:font script="Syre" typeface="Estrangelo Edessa"/>
+        <a:font script="Sora" typeface="Nirmala UI"/>
+        <a:font script="Tale" typeface="Microsoft Tai Le"/>
+        <a:font script="Talu" typeface="Microsoft New Tai Lue"/>
+        <a:font script="Tfng" typeface="Ebrima"/>
+      </a:majorFont>
+      <a:minorFont>
+        <a:latin typeface="Calibri" panose="020F0502020204030204"/>
+        <a:ea typeface=""/>
+        <a:cs typeface=""/>
+        <a:font script="Jpan" typeface="游ゴシック"/>
+        <a:font script="Hang" typeface="맑은 고딕"/>
+        <a:font script="Hans" typeface="等线"/>
+        <a:font script="Hant" typeface="新細明體"/>
+        <a:font script="Arab" typeface="Arial"/>
+        <a:font script="Hebr" typeface="Arial"/>
+        <a:font script="Thai" typeface="Cordia New"/>
+        <a:font script="Ethi" typeface="Nyala"/>
+        <a:font script="Beng" typeface="Vrinda"/>
+        <a:font script="Gujr" typeface="Shruti"/>
+        <a:font script="Khmr" typeface="DaunPenh"/>
+        <a:font script="Knda" typeface="Tunga"/>
+        <a:font script="Guru" typeface="Raavi"/>
+        <a:font script="Cans" typeface="Euphemia"/>
+        <a:font script="Cher" typeface="Plantagenet Cherokee"/>
+        <a:font script="Yiii" typeface="Microsoft Yi Baiti"/>
+        <a:font script="Tibt" typeface="Microsoft Himalaya"/>
+        <a:font script="Thaa" typeface="MV Boli"/>
+        <a:font script="Deva" typeface="Mangal"/>
+        <a:font script="Telu" typeface="Gautami"/>
+        <a:font script="Taml" typeface="Latha"/>
+        <a:font script="Syrc" typeface="Estrangelo Edessa"/>
+        <a:font script="Orya" typeface="Kalinga"/>
+        <a:font script="Mlym" typeface="Kartika"/>
+        <a:font script="Laoo" typeface="DokChampa"/>
+        <a:font script="Sinh" typeface="Iskoola Pota"/>
+        <a:font script="Mong" typeface="Mongolian Baiti"/>
+        <a:font script="Viet" typeface="Arial"/>
+        <a:font script="Uigh" typeface="Microsoft Uighur"/>
+        <a:font script="Geor" typeface="Sylfaen"/>
+        <a:font script="Armn" typeface="Arial"/>
+        <a:font script="Bugi" typeface="Leelawadee UI"/>
+        <a:font script="Bopo" typeface="Microsoft JhengHei"/>
+        <a:font script="Java" typeface="Javanese Text"/>
+        <a:font script="Lisu" typeface="Segoe UI"/>
+        <a:font script="Mymr" typeface="Myanmar Text"/>
+        <a:font script="Nkoo" typeface="Ebrima"/>
+        <a:font script="Olck" typeface="Nirmala UI"/>
+        <a:font script="Osma" typeface="Ebrima"/>
+        <a:font script="Phag" typeface="Phagspa"/>
+        <a:font script="Syrn" typeface="Estrangelo Edessa"/>
+        <a:font script="Syrj" typeface="Estrangelo Edessa"/>
+        <a:font script="Syre" typeface="Estrangelo Edessa"/>
+        <a:font script="Sora" typeface="Nirmala UI"/>
+        <a:font script="Tale" typeface="Microsoft Tai Le"/>
+        <a:font script="Talu" typeface="Microsoft New Tai Lue"/>
+        <a:font script="Tfng" typeface="Ebrima"/>
+      </a:minorFont>
+    </a:fontScheme>
+    <a:fmtScheme name="Office">
+      <a:fillStyleLst>
+        <a:solidFill>
+          <a:schemeClr val="phClr"/>
+        </a:solidFill>
+        <a:gradFill rotWithShape="1">
+          <a:gsLst>
+            <a:gs pos="0">
+              <a:schemeClr val="phClr">
+                <a:lumMod val="110000"/>
+                <a:satMod val="105000"/>
+                <a:tint val="67000"/>
+              </a:schemeClr>
+            </a:gs>
+            <a:gs pos="50000">
+              <a:schemeClr val="phClr">
+                <a:lumMod val="105000"/>
+                <a:satMod val="103000"/>
+                <a:tint val="73000"/>
+              </a:schemeClr>
+            </a:gs>
+            <a:gs pos="100000">
+              <a:schemeClr val="phClr">
+                <a:lumMod val="105000"/>
+                <a:satMod val="109000"/>
+                <a:tint val="81000"/>
+              </a:schemeClr>
+            </a:gs>
+          </a:gsLst>
+          <a:lin ang="5400000" scaled="0"/>
+        </a:gradFill>
+        <a:gradFill rotWithShape="1">
+          <a:gsLst>
+            <a:gs pos="0">
+              <a:schemeClr val="phClr">
+                <a:satMod val="103000"/>
+                <a:lumMod val="102000"/>
+                <a:tint val="94000"/>
+              </a:schemeClr>
+            </a:gs>
+            <a:gs pos="50000">
+              <a:schemeClr val="phClr">
+                <a:satMod val="110000"/>
+                <a:lumMod val="100000"/>
+                <a:shade val="100000"/>
+              </a:schemeClr>
+            </a:gs>
+            <a:gs pos="100000">
+              <a:schemeClr val="phClr">
+                <a:lumMod val="99000"/>
+                <a:satMod val="120000"/>
+                <a:shade val="78000"/>
+              </a:schemeClr>
+            </a:gs>
+          </a:gsLst>
+          <a:lin ang="5400000" scaled="0"/>
+        </a:gradFill>
+      </a:fillStyleLst>
+      <a:lnStyleLst>
+        <a:ln w="6350" cap="flat" cmpd="sng" algn="ctr">
+          <a:solidFill>
+            <a:schemeClr val="phClr"/>
+          </a:solidFill>
+          <a:prstDash val="solid"/>
+          <a:miter lim="800000"/>
+        </a:ln>
+        <a:ln w="12700" cap="flat" cmpd="sng" algn="ctr">
+          <a:solidFill>
+            <a:schemeClr val="phClr"/>
+          </a:solidFill>
+          <a:prstDash val="solid"/>
+          <a:miter lim="800000"/>
+        </a:ln>
+        <a:ln w="19050" cap="flat" cmpd="sng" algn="ctr">
+          <a:solidFill>
+            <a:schemeClr val="phClr"/>
+          </a:solidFill>
+          <a:prstDash val="solid"/>
+          <a:miter lim="800000"/>
+        </a:ln>
+      </a:lnStyleLst>
+      <a:effectStyleLst>
+        <a:effectStyle>
+          <a:effectLst/>
+        </a:effectStyle>
+        <a:effectStyle>
+          <a:effectLst/>
+        </a:effectStyle>
+        <a:effectStyle>
+          <a:effectLst>
+            <a:outerShdw blurRad="57150" dist="19050" dir="5400000" algn="ctr" rotWithShape="0">
+              <a:srgbClr val="000000">
+                <a:alpha val="63000"/>
+              </a:srgbClr>
+            </a:outerShdw>
+          </a:effectLst>
+        </a:effectStyle>
+      </a:effectStyleLst>
+      <a:bgFillStyleLst>
+        <a:solidFill>
+          <a:schemeClr val="phClr"/>
+        </a:solidFill>
+        <a:solidFill>
+          <a:schemeClr val="phClr">
+            <a:tint val="95000"/>
+            <a:satMod val="170000"/>
+          </a:schemeClr>
+        </a:solidFill>
+        <a:gradFill rotWithShape="1">
+          <a:gsLst>
+            <a:gs pos="0">
+              <a:schemeClr val="phClr">
+                <a:tint val="93000"/>
+                <a:satMod val="150000"/>
+                <a:shade val="98000"/>
+                <a:lumMod val="102000"/>
+              </a:schemeClr>
+            </a:gs>
+            <a:gs pos="50000">
+              <a:schemeClr val="phClr">
+                <a:tint val="98000"/>
+                <a:satMod val="130000"/>
+                <a:shade val="90000"/>
+                <a:lumMod val="103000"/>
+              </a:schemeClr>
+            </a:gs>
+            <a:gs pos="100000">
+              <a:schemeClr val="phClr">
+                <a:shade val="63000"/>
+                <a:satMod val="120000"/>
+              </a:schemeClr>
+            </a:gs>
+          </a:gsLst>
+          <a:lin ang="5400000" scaled="0"/>
+        </a:gradFill>
+      </a:bgFillStyleLst>
+    </a:fmtScheme>
+  </a:themeElements>
+  <a:objectDefaults/>
+  <a:extraClrSchemeLst/>
+  <a:extLst>
+    <a:ext uri="{05A4C25C-085E-4340-85A3-A5531E510DB2}">
+      <thm15:themeFamily xmlns:thm15="http://schemas.microsoft.com/office/thememl/2012/main" name="Office Theme" id="{62F939B6-93AF-4DB8-9C6B-D6C7DFDC589F}" vid="{4A3C46E8-61CC-4603-A589-7422A47A8E4A}"/>
+    </a:ext>
+  </a:extLst>
+</a:theme>
+</file>
+
+<file path=ppt/theme/theme3.xml><?xml version="1.0" encoding="utf-8"?>
 <a:theme xmlns:a="http://schemas.openxmlformats.org/drawingml/2006/main" name="Office Theme">
   <a:themeElements>
     <a:clrScheme name="Office">

--- a/final poster.pptx
+++ b/final poster.pptx
@@ -212,7 +212,7 @@
             <a:fld id="{8A27B708-2555-834C-97B8-35CDF758D659}" type="datetimeFigureOut">
               <a:rPr lang="en-US" smtClean="0"/>
               <a:pPr/>
-              <a:t>11/28/2018</a:t>
+              <a:t>11/30/2018</a:t>
             </a:fld>
             <a:endParaRPr lang="en-US"/>
           </a:p>
@@ -378,7 +378,7 @@
           <a:p>
             <a:fld id="{6BC0B376-445B-49D2-A528-34300D1FA5F0}" type="datetimeFigureOut">
               <a:rPr lang="en-US" smtClean="0"/>
-              <a:t>11/28/2018</a:t>
+              <a:t>11/30/2018</a:t>
             </a:fld>
             <a:endParaRPr lang="en-US"/>
           </a:p>
@@ -2201,7 +2201,10 @@
           <a:bodyPr/>
           <a:lstStyle/>
           <a:p>
-            <a:endParaRPr lang="en-US" dirty="0"/>
+            <a:r>
+              <a:rPr lang="en-US" dirty="0"/>
+              <a:t>Objectives</a:t>
+            </a:r>
           </a:p>
         </p:txBody>
       </p:sp>
@@ -2806,7 +2809,7 @@
                 <a:ea typeface="+mj-ea"/>
                 <a:cs typeface="Arial"/>
               </a:rPr>
-              <a:t>Data provided by Sky Alibhai and Zoe Jewell (</a:t>
+              <a:t>Data provided by Dr. Sky Alibhai and Dr. Zoe Jewell (</a:t>
             </a:r>
             <a:r>
               <a:rPr lang="en-US" sz="2000" b="1" dirty="0" err="1">
@@ -3556,10 +3559,10 @@
         </p:nvGrpSpPr>
         <p:grpSpPr>
           <a:xfrm>
-            <a:off x="6743700" y="6947378"/>
-            <a:ext cx="5715000" cy="2956427"/>
+            <a:off x="6629399" y="6822687"/>
+            <a:ext cx="5715000" cy="3124199"/>
             <a:chOff x="6629400" y="2768058"/>
-            <a:chExt cx="5943600" cy="3632742"/>
+            <a:chExt cx="5943600" cy="3838894"/>
           </a:xfrm>
         </p:grpSpPr>
         <p:sp>
@@ -3576,8 +3579,8 @@
           </p:nvSpPr>
           <p:spPr>
             <a:xfrm>
-              <a:off x="6629400" y="2805158"/>
-              <a:ext cx="5943600" cy="3595642"/>
+              <a:off x="6629400" y="2805157"/>
+              <a:ext cx="5943600" cy="3801795"/>
             </a:xfrm>
             <a:prstGeom prst="roundRect">
               <a:avLst/>
@@ -3626,49 +3629,6 @@
             </a:p>
             <a:p>
               <a:endParaRPr lang="en-US" sz="2000" dirty="0"/>
-            </a:p>
-            <a:p>
-              <a:pPr algn="ctr"/>
-              <a:r>
-                <a:rPr lang="en-US" sz="2000" dirty="0">
-                  <a:solidFill>
-                    <a:srgbClr val="C00000"/>
-                  </a:solidFill>
-                </a:rPr>
-                <a:t>insert </a:t>
-              </a:r>
-              <a:r>
-                <a:rPr lang="en-US" sz="2000" dirty="0" err="1">
-                  <a:solidFill>
-                    <a:srgbClr val="C00000"/>
-                  </a:solidFill>
-                </a:rPr>
-                <a:t>freq</a:t>
-              </a:r>
-              <a:r>
-                <a:rPr lang="en-US" sz="2000" dirty="0">
-                  <a:solidFill>
-                    <a:srgbClr val="C00000"/>
-                  </a:solidFill>
-                </a:rPr>
-                <a:t> response </a:t>
-              </a:r>
-              <a:r>
-                <a:rPr lang="en-US" sz="2000" dirty="0" err="1">
-                  <a:solidFill>
-                    <a:srgbClr val="C00000"/>
-                  </a:solidFill>
-                </a:rPr>
-                <a:t>img</a:t>
-              </a:r>
-              <a:r>
-                <a:rPr lang="en-US" sz="2000" dirty="0">
-                  <a:solidFill>
-                    <a:srgbClr val="C00000"/>
-                  </a:solidFill>
-                </a:rPr>
-                <a:t> here</a:t>
-              </a:r>
             </a:p>
           </p:txBody>
         </p:sp>
@@ -5662,6 +5622,167 @@
               <a:t>(a) displays the correlation of a template image with a footprint. The highest correlation value and the template image size is used to draw the bounding box in (b).</a:t>
             </a:r>
             <a:endParaRPr lang="en-US" sz="1100" b="1" dirty="0"/>
+          </a:p>
+        </p:txBody>
+      </p:sp>
+      <p:pic>
+        <p:nvPicPr>
+          <p:cNvPr id="13" name="Picture 12">
+            <a:extLst>
+              <a:ext uri="{FF2B5EF4-FFF2-40B4-BE49-F238E27FC236}">
+                <a16:creationId xmlns:a16="http://schemas.microsoft.com/office/drawing/2014/main" id="{3CE1A0FA-4794-46F0-B2A3-65442955D921}"/>
+              </a:ext>
+            </a:extLst>
+          </p:cNvPr>
+          <p:cNvPicPr>
+            <a:picLocks noChangeAspect="1"/>
+          </p:cNvPicPr>
+          <p:nvPr/>
+        </p:nvPicPr>
+        <p:blipFill>
+          <a:blip r:embed="rId13" cstate="print">
+            <a:extLst>
+              <a:ext uri="{BEBA8EAE-BF5A-486C-A8C5-ECC9F3942E4B}">
+                <a14:imgProps xmlns:a14="http://schemas.microsoft.com/office/drawing/2010/main">
+                  <a14:imgLayer r:embed="rId14">
+                    <a14:imgEffect>
+                      <a14:backgroundRemoval t="3800" b="91400" l="5700" r="96900">
+                        <a14:foregroundMark x1="55200" y1="4600" x2="92000" y2="6000"/>
+                        <a14:foregroundMark x1="92000" y1="6000" x2="97000" y2="14200"/>
+                        <a14:foregroundMark x1="97000" y1="14200" x2="97200" y2="82600"/>
+                        <a14:foregroundMark x1="97200" y1="82600" x2="91800" y2="87200"/>
+                        <a14:foregroundMark x1="91800" y1="87200" x2="57100" y2="88800"/>
+                        <a14:foregroundMark x1="57100" y1="88800" x2="54958" y2="80391"/>
+                        <a14:foregroundMark x1="54825" y1="63200" x2="56400" y2="7600"/>
+                        <a14:foregroundMark x1="56400" y1="7600" x2="56100" y2="6800"/>
+                        <a14:foregroundMark x1="73900" y1="15000" x2="68000" y2="20600"/>
+                        <a14:foregroundMark x1="68000" y1="20600" x2="62700" y2="32800"/>
+                        <a14:foregroundMark x1="62700" y1="32800" x2="61200" y2="45800"/>
+                        <a14:foregroundMark x1="61200" y1="45800" x2="63500" y2="55400"/>
+                        <a14:foregroundMark x1="63500" y1="55400" x2="69400" y2="66400"/>
+                        <a14:foregroundMark x1="69400" y1="66400" x2="75100" y2="67000"/>
+                        <a14:foregroundMark x1="75100" y1="67000" x2="81000" y2="45200"/>
+                        <a14:foregroundMark x1="81000" y1="45200" x2="81900" y2="25000"/>
+                        <a14:foregroundMark x1="90500" y1="25000" x2="81000" y2="46200"/>
+                        <a14:foregroundMark x1="81000" y1="46200" x2="79200" y2="57600"/>
+                        <a14:foregroundMark x1="79200" y1="57600" x2="82600" y2="67200"/>
+                        <a14:foregroundMark x1="82600" y1="67200" x2="85900" y2="57000"/>
+                        <a14:foregroundMark x1="85900" y1="57000" x2="85100" y2="39400"/>
+                        <a14:foregroundMark x1="85100" y1="39400" x2="77500" y2="31200"/>
+                        <a14:foregroundMark x1="77500" y1="31200" x2="71800" y2="34800"/>
+                        <a14:foregroundMark x1="71800" y1="34800" x2="67300" y2="40400"/>
+                        <a14:foregroundMark x1="67300" y1="40400" x2="63400" y2="49200"/>
+                        <a14:foregroundMark x1="63400" y1="49200" x2="71100" y2="50200"/>
+                        <a14:foregroundMark x1="71100" y1="50200" x2="76500" y2="39400"/>
+                        <a14:foregroundMark x1="76500" y1="39400" x2="79100" y2="26800"/>
+                        <a14:foregroundMark x1="79100" y1="26800" x2="76400" y2="17400"/>
+                        <a14:foregroundMark x1="76400" y1="17400" x2="82500" y2="23600"/>
+                        <a14:foregroundMark x1="82500" y1="23600" x2="87900" y2="17800"/>
+                        <a14:foregroundMark x1="87900" y1="17800" x2="91600" y2="30200"/>
+                        <a14:foregroundMark x1="91600" y1="30200" x2="94200" y2="49000"/>
+                        <a14:foregroundMark x1="94200" y1="49000" x2="93500" y2="66600"/>
+                        <a14:foregroundMark x1="93500" y1="66600" x2="88300" y2="75200"/>
+                        <a14:foregroundMark x1="88300" y1="75200" x2="83300" y2="76400"/>
+                        <a14:foregroundMark x1="94600" y1="4400" x2="97900" y2="14800"/>
+                        <a14:foregroundMark x1="97900" y1="14800" x2="96900" y2="82400"/>
+                        <a14:foregroundMark x1="96900" y1="82400" x2="96600" y2="82800"/>
+                        <a14:foregroundMark x1="8002" y1="4446" x2="13400" y2="4600"/>
+                        <a14:foregroundMark x1="13400" y1="4600" x2="18932" y2="4037"/>
+                        <a14:foregroundMark x1="36777" y1="3923" x2="42900" y2="4200"/>
+                        <a14:foregroundMark x1="42900" y1="4200" x2="46900" y2="11800"/>
+                        <a14:foregroundMark x1="46900" y1="11800" x2="44800" y2="48200"/>
+                        <a14:foregroundMark x1="44800" y1="48200" x2="46500" y2="81200"/>
+                        <a14:foregroundMark x1="46500" y1="81200" x2="40900" y2="87600"/>
+                        <a14:foregroundMark x1="40900" y1="87600" x2="24300" y2="87200"/>
+                        <a14:foregroundMark x1="24300" y1="87200" x2="18477" y2="89470"/>
+                        <a14:foregroundMark x1="7113" y1="86497" x2="6336" y2="42558"/>
+                        <a14:foregroundMark x1="55000" y1="62600" x2="55000" y2="70200"/>
+                        <a14:backgroundMark x1="8800" y1="92000" x2="11700" y2="94200"/>
+                        <a14:backgroundMark x1="5900" y1="92800" x2="11800" y2="94200"/>
+                        <a14:backgroundMark x1="11800" y1="94200" x2="7100" y2="93400"/>
+                        <a14:backgroundMark x1="11300" y1="94200" x2="16500" y2="93200"/>
+                        <a14:backgroundMark x1="16500" y1="93200" x2="11000" y2="92800"/>
+                        <a14:backgroundMark x1="11000" y1="92800" x2="15000" y2="93000"/>
+                        <a14:backgroundMark x1="18900" y1="90800" x2="15400" y2="90800"/>
+                        <a14:backgroundMark x1="19400" y1="2600" x2="25000" y2="3000"/>
+                        <a14:backgroundMark x1="25000" y1="3000" x2="35900" y2="1200"/>
+                        <a14:backgroundMark x1="35900" y1="1200" x2="24800" y2="1600"/>
+                        <a14:backgroundMark x1="24800" y1="1600" x2="34600" y2="3200"/>
+                        <a14:backgroundMark x1="300" y1="2000" x2="7300" y2="2000"/>
+                        <a14:backgroundMark x1="7300" y1="2000" x2="2100" y2="200"/>
+                        <a14:backgroundMark x1="2100" y1="200" x2="0" y2="11200"/>
+                        <a14:backgroundMark x1="0" y1="11200" x2="100" y2="4600"/>
+                        <a14:backgroundMark x1="5800" y1="7000" x2="5100" y2="21600"/>
+                        <a14:backgroundMark x1="5600" y1="21400" x2="5200" y2="36400"/>
+                        <a14:backgroundMark x1="5700" y1="34400" x2="5900" y2="42600"/>
+                        <a14:backgroundMark x1="54652" y1="70200" x2="54800" y2="80400"/>
+                      </a14:backgroundRemoval>
+                    </a14:imgEffect>
+                  </a14:imgLayer>
+                </a14:imgProps>
+              </a:ext>
+              <a:ext uri="{28A0092B-C50C-407E-A947-70E740481C1C}">
+                <a14:useLocalDpi xmlns:a14="http://schemas.microsoft.com/office/drawing/2010/main" val="0"/>
+              </a:ext>
+            </a:extLst>
+          </a:blip>
+          <a:stretch>
+            <a:fillRect/>
+          </a:stretch>
+        </p:blipFill>
+        <p:spPr>
+          <a:xfrm>
+            <a:off x="7843528" y="7730062"/>
+            <a:ext cx="3439143" cy="1719572"/>
+          </a:xfrm>
+          <a:prstGeom prst="rect">
+            <a:avLst/>
+          </a:prstGeom>
+        </p:spPr>
+      </p:pic>
+      <p:sp>
+        <p:nvSpPr>
+          <p:cNvPr id="60" name="TextBox 59">
+            <a:extLst>
+              <a:ext uri="{FF2B5EF4-FFF2-40B4-BE49-F238E27FC236}">
+                <a16:creationId xmlns:a16="http://schemas.microsoft.com/office/drawing/2014/main" id="{50F52466-5814-458D-ADD4-798CEB9C0369}"/>
+              </a:ext>
+            </a:extLst>
+          </p:cNvPr>
+          <p:cNvSpPr txBox="1"/>
+          <p:nvPr/>
+        </p:nvSpPr>
+        <p:spPr>
+          <a:xfrm>
+            <a:off x="6858000" y="9216250"/>
+            <a:ext cx="5753099" cy="584775"/>
+          </a:xfrm>
+          <a:prstGeom prst="rect">
+            <a:avLst/>
+          </a:prstGeom>
+          <a:noFill/>
+        </p:spPr>
+        <p:txBody>
+          <a:bodyPr wrap="square" rtlCol="0">
+            <a:spAutoFit/>
+          </a:bodyPr>
+          <a:lstStyle/>
+          <a:p>
+            <a:r>
+              <a:rPr lang="en-US" sz="1100" dirty="0"/>
+              <a:t>                                                  (a)                                              (b)</a:t>
+            </a:r>
+          </a:p>
+          <a:p>
+            <a:r>
+              <a:rPr lang="en-US" sz="1050" b="1" dirty="0"/>
+              <a:t>Figure 3: </a:t>
+            </a:r>
+            <a:r>
+              <a:rPr lang="en-US" sz="1050" dirty="0"/>
+              <a:t>(a) shows a patch of rough sand extracted from the image above; (b) shows the         magnitude spectrum of the image signal in the frequency domain. </a:t>
+            </a:r>
+            <a:endParaRPr lang="en-US" sz="1050" b="1" dirty="0"/>
           </a:p>
         </p:txBody>
       </p:sp>
